--- a/dr/presentation.pptx
+++ b/dr/presentation.pptx
@@ -217,7 +217,7 @@
           <a:p>
             <a:fld id="{F7879DFA-FB11-43B6-A5F8-9C7F9897F1FD}" type="datetimeFigureOut">
               <a:rPr lang="bg-BG" smtClean="0"/>
-              <a:t>13.5.2025 г.</a:t>
+              <a:t>14.5.2025 г.</a:t>
             </a:fld>
             <a:endParaRPr lang="bg-BG"/>
           </a:p>
@@ -1623,7 +1623,7 @@
           <a:p>
             <a:fld id="{BBD089EF-8D12-4327-B289-A2BF93D47A59}" type="datetimeFigureOut">
               <a:rPr lang="bg-BG" smtClean="0"/>
-              <a:t>13.5.2025 г.</a:t>
+              <a:t>14.5.2025 г.</a:t>
             </a:fld>
             <a:endParaRPr lang="bg-BG"/>
           </a:p>
@@ -1961,7 +1961,7 @@
           <a:p>
             <a:fld id="{BBD089EF-8D12-4327-B289-A2BF93D47A59}" type="datetimeFigureOut">
               <a:rPr lang="bg-BG" smtClean="0"/>
-              <a:t>13.5.2025 г.</a:t>
+              <a:t>14.5.2025 г.</a:t>
             </a:fld>
             <a:endParaRPr lang="bg-BG"/>
           </a:p>
@@ -2362,7 +2362,7 @@
           <a:p>
             <a:fld id="{BBD089EF-8D12-4327-B289-A2BF93D47A59}" type="datetimeFigureOut">
               <a:rPr lang="bg-BG" smtClean="0"/>
-              <a:t>13.5.2025 г.</a:t>
+              <a:t>14.5.2025 г.</a:t>
             </a:fld>
             <a:endParaRPr lang="bg-BG"/>
           </a:p>
@@ -2698,7 +2698,7 @@
           <a:p>
             <a:fld id="{BBD089EF-8D12-4327-B289-A2BF93D47A59}" type="datetimeFigureOut">
               <a:rPr lang="bg-BG" smtClean="0"/>
-              <a:t>13.5.2025 г.</a:t>
+              <a:t>14.5.2025 г.</a:t>
             </a:fld>
             <a:endParaRPr lang="bg-BG"/>
           </a:p>
@@ -3018,7 +3018,7 @@
           <a:p>
             <a:fld id="{BBD089EF-8D12-4327-B289-A2BF93D47A59}" type="datetimeFigureOut">
               <a:rPr lang="bg-BG" smtClean="0"/>
-              <a:t>13.5.2025 г.</a:t>
+              <a:t>14.5.2025 г.</a:t>
             </a:fld>
             <a:endParaRPr lang="bg-BG"/>
           </a:p>
@@ -3414,7 +3414,7 @@
           <a:p>
             <a:fld id="{BBD089EF-8D12-4327-B289-A2BF93D47A59}" type="datetimeFigureOut">
               <a:rPr lang="bg-BG" smtClean="0"/>
-              <a:t>13.5.2025 г.</a:t>
+              <a:t>14.5.2025 г.</a:t>
             </a:fld>
             <a:endParaRPr lang="bg-BG"/>
           </a:p>
@@ -3671,7 +3671,7 @@
           <a:p>
             <a:fld id="{BBD089EF-8D12-4327-B289-A2BF93D47A59}" type="datetimeFigureOut">
               <a:rPr lang="bg-BG" smtClean="0"/>
-              <a:t>13.5.2025 г.</a:t>
+              <a:t>14.5.2025 г.</a:t>
             </a:fld>
             <a:endParaRPr lang="bg-BG"/>
           </a:p>
@@ -3933,7 +3933,7 @@
           <a:p>
             <a:fld id="{BBD089EF-8D12-4327-B289-A2BF93D47A59}" type="datetimeFigureOut">
               <a:rPr lang="bg-BG" smtClean="0"/>
-              <a:t>13.5.2025 г.</a:t>
+              <a:t>14.5.2025 г.</a:t>
             </a:fld>
             <a:endParaRPr lang="bg-BG"/>
           </a:p>
@@ -4195,7 +4195,7 @@
           <a:p>
             <a:fld id="{BBD089EF-8D12-4327-B289-A2BF93D47A59}" type="datetimeFigureOut">
               <a:rPr lang="bg-BG" smtClean="0"/>
-              <a:t>13.5.2025 г.</a:t>
+              <a:t>14.5.2025 г.</a:t>
             </a:fld>
             <a:endParaRPr lang="bg-BG"/>
           </a:p>
@@ -4524,7 +4524,7 @@
           <a:p>
             <a:fld id="{BBD089EF-8D12-4327-B289-A2BF93D47A59}" type="datetimeFigureOut">
               <a:rPr lang="bg-BG" smtClean="0"/>
-              <a:t>13.5.2025 г.</a:t>
+              <a:t>14.5.2025 г.</a:t>
             </a:fld>
             <a:endParaRPr lang="bg-BG"/>
           </a:p>
@@ -4847,7 +4847,7 @@
           <a:p>
             <a:fld id="{BBD089EF-8D12-4327-B289-A2BF93D47A59}" type="datetimeFigureOut">
               <a:rPr lang="bg-BG" smtClean="0"/>
-              <a:t>13.5.2025 г.</a:t>
+              <a:t>14.5.2025 г.</a:t>
             </a:fld>
             <a:endParaRPr lang="bg-BG"/>
           </a:p>
@@ -5304,7 +5304,7 @@
           <a:p>
             <a:fld id="{BBD089EF-8D12-4327-B289-A2BF93D47A59}" type="datetimeFigureOut">
               <a:rPr lang="bg-BG" smtClean="0"/>
-              <a:t>13.5.2025 г.</a:t>
+              <a:t>14.5.2025 г.</a:t>
             </a:fld>
             <a:endParaRPr lang="bg-BG"/>
           </a:p>
@@ -5509,7 +5509,7 @@
           <a:p>
             <a:fld id="{BBD089EF-8D12-4327-B289-A2BF93D47A59}" type="datetimeFigureOut">
               <a:rPr lang="bg-BG" smtClean="0"/>
-              <a:t>13.5.2025 г.</a:t>
+              <a:t>14.5.2025 г.</a:t>
             </a:fld>
             <a:endParaRPr lang="bg-BG"/>
           </a:p>
@@ -5686,7 +5686,7 @@
           <a:p>
             <a:fld id="{BBD089EF-8D12-4327-B289-A2BF93D47A59}" type="datetimeFigureOut">
               <a:rPr lang="bg-BG" smtClean="0"/>
-              <a:t>13.5.2025 г.</a:t>
+              <a:t>14.5.2025 г.</a:t>
             </a:fld>
             <a:endParaRPr lang="bg-BG"/>
           </a:p>
@@ -6019,7 +6019,7 @@
           <a:p>
             <a:fld id="{BBD089EF-8D12-4327-B289-A2BF93D47A59}" type="datetimeFigureOut">
               <a:rPr lang="bg-BG" smtClean="0"/>
-              <a:t>13.5.2025 г.</a:t>
+              <a:t>14.5.2025 г.</a:t>
             </a:fld>
             <a:endParaRPr lang="bg-BG"/>
           </a:p>
@@ -6364,7 +6364,7 @@
           <a:p>
             <a:fld id="{BBD089EF-8D12-4327-B289-A2BF93D47A59}" type="datetimeFigureOut">
               <a:rPr lang="bg-BG" smtClean="0"/>
-              <a:t>13.5.2025 г.</a:t>
+              <a:t>14.5.2025 г.</a:t>
             </a:fld>
             <a:endParaRPr lang="bg-BG"/>
           </a:p>
@@ -8481,7 +8481,7 @@
           <a:p>
             <a:fld id="{BBD089EF-8D12-4327-B289-A2BF93D47A59}" type="datetimeFigureOut">
               <a:rPr lang="bg-BG" smtClean="0"/>
-              <a:t>13.5.2025 г.</a:t>
+              <a:t>14.5.2025 г.</a:t>
             </a:fld>
             <a:endParaRPr lang="bg-BG"/>
           </a:p>
@@ -9347,8 +9347,19 @@
                 <a:latin typeface="Arial" panose="020B0604020202020204" pitchFamily="34" charset="0"/>
                 <a:ea typeface="Times New Roman" panose="02020603050405020304" pitchFamily="18" charset="0"/>
               </a:rPr>
-              <a:t>о професияв код 481030</a:t>
-            </a:r>
+              <a:t>о професияв код </a:t>
+            </a:r>
+            <a:r>
+              <a:rPr lang="bg-BG" altLang="bg-BG" sz="1400" dirty="0" smtClean="0">
+                <a:latin typeface="Arial" panose="020B0604020202020204" pitchFamily="34" charset="0"/>
+                <a:ea typeface="Times New Roman" panose="02020603050405020304" pitchFamily="18" charset="0"/>
+              </a:rPr>
+              <a:t>481030 „Приложен програмист“</a:t>
+            </a:r>
+            <a:endParaRPr lang="bg-BG" altLang="bg-BG" sz="1400" dirty="0" smtClean="0">
+              <a:latin typeface="Arial" panose="020B0604020202020204" pitchFamily="34" charset="0"/>
+              <a:ea typeface="Times New Roman" panose="02020603050405020304" pitchFamily="18" charset="0"/>
+            </a:endParaRPr>
           </a:p>
           <a:p>
             <a:pPr marL="0" marR="0" lvl="0" indent="0" algn="ctr" defTabSz="914400" rtl="0" eaLnBrk="0" fontAlgn="base" latinLnBrk="0" hangingPunct="0">
@@ -9372,7 +9383,21 @@
                 <a:latin typeface="Arial" panose="020B0604020202020204" pitchFamily="34" charset="0"/>
                 <a:ea typeface="Times New Roman" panose="02020603050405020304" pitchFamily="18" charset="0"/>
               </a:rPr>
-              <a:t>       специалност код 4810301  </a:t>
+              <a:t>       специалност код </a:t>
+            </a:r>
+            <a:r>
+              <a:rPr lang="bg-BG" altLang="bg-BG" sz="1400" dirty="0" smtClean="0">
+                <a:latin typeface="Arial" panose="020B0604020202020204" pitchFamily="34" charset="0"/>
+                <a:ea typeface="Times New Roman" panose="02020603050405020304" pitchFamily="18" charset="0"/>
+              </a:rPr>
+              <a:t>4810301 „</a:t>
+            </a:r>
+            <a:r>
+              <a:rPr lang="bg-BG" altLang="bg-BG" sz="1400" smtClean="0">
+                <a:latin typeface="Arial" panose="020B0604020202020204" pitchFamily="34" charset="0"/>
+                <a:ea typeface="Times New Roman" panose="02020603050405020304" pitchFamily="18" charset="0"/>
+              </a:rPr>
+              <a:t>Приложно програмиране“  </a:t>
             </a:r>
             <a:r>
               <a:rPr kumimoji="0" lang="en-US" altLang="bg-BG" sz="1400" b="0" i="0" u="none" strike="noStrike" cap="none" normalizeH="0" baseline="0" dirty="0" smtClean="0">

--- a/dr/presentation.pptx
+++ b/dr/presentation.pptx
@@ -1364,6 +1364,130 @@
           <a:bodyPr/>
           <a:lstStyle/>
           <a:p>
+            <a:r>
+              <a:rPr lang="bg-BG" sz="1200" kern="1200" dirty="0" smtClean="0">
+                <a:solidFill>
+                  <a:schemeClr val="tx1"/>
+                </a:solidFill>
+                <a:effectLst/>
+                <a:latin typeface="+mn-lt"/>
+                <a:ea typeface="+mn-ea"/>
+                <a:cs typeface="+mn-cs"/>
+              </a:rPr>
+              <a:t>За релационни бази данни са избрани популярни сървъри като SQLite (по подразбиране), MySQL и PostgreSQL, които Django поддържа изцяло. </a:t>
+            </a:r>
+            <a:r>
+              <a:rPr lang="bg-BG" sz="1200" kern="1200" dirty="0" err="1" smtClean="0">
+                <a:solidFill>
+                  <a:schemeClr val="tx1"/>
+                </a:solidFill>
+                <a:effectLst/>
+                <a:latin typeface="+mn-lt"/>
+                <a:ea typeface="+mn-ea"/>
+                <a:cs typeface="+mn-cs"/>
+              </a:rPr>
+              <a:t>Django</a:t>
+            </a:r>
+            <a:r>
+              <a:rPr lang="bg-BG" sz="1200" kern="1200" dirty="0" smtClean="0">
+                <a:solidFill>
+                  <a:schemeClr val="tx1"/>
+                </a:solidFill>
+                <a:effectLst/>
+                <a:latin typeface="+mn-lt"/>
+                <a:ea typeface="+mn-ea"/>
+                <a:cs typeface="+mn-cs"/>
+              </a:rPr>
+              <a:t> </a:t>
+            </a:r>
+            <a:r>
+              <a:rPr lang="bg-BG" sz="1200" kern="1200" dirty="0" smtClean="0">
+                <a:solidFill>
+                  <a:schemeClr val="tx1"/>
+                </a:solidFill>
+                <a:effectLst/>
+                <a:latin typeface="+mn-lt"/>
+                <a:ea typeface="+mn-ea"/>
+                <a:cs typeface="+mn-cs"/>
+              </a:rPr>
+              <a:t>e предпочетен заради своята интегрирана ORM система, вградена административна конзола, добра документация и голяма общност</a:t>
+            </a:r>
+            <a:r>
+              <a:rPr lang="bg-BG" sz="1200" kern="1200" dirty="0" smtClean="0">
+                <a:solidFill>
+                  <a:schemeClr val="tx1"/>
+                </a:solidFill>
+                <a:effectLst/>
+                <a:latin typeface="+mn-lt"/>
+                <a:ea typeface="+mn-ea"/>
+                <a:cs typeface="+mn-cs"/>
+              </a:rPr>
+              <a:t>. Накратко в моят дипломен проект доказваме, че </a:t>
+            </a:r>
+            <a:r>
+              <a:rPr lang="bg-BG" sz="1200" kern="1200" dirty="0" err="1" smtClean="0">
+                <a:solidFill>
+                  <a:schemeClr val="tx1"/>
+                </a:solidFill>
+                <a:effectLst/>
+                <a:latin typeface="+mn-lt"/>
+                <a:ea typeface="+mn-ea"/>
+                <a:cs typeface="+mn-cs"/>
+              </a:rPr>
+              <a:t>Django</a:t>
+            </a:r>
+            <a:r>
+              <a:rPr lang="bg-BG" sz="1200" kern="1200" dirty="0" smtClean="0">
+                <a:solidFill>
+                  <a:schemeClr val="tx1"/>
+                </a:solidFill>
+                <a:effectLst/>
+                <a:latin typeface="+mn-lt"/>
+                <a:ea typeface="+mn-ea"/>
+                <a:cs typeface="+mn-cs"/>
+              </a:rPr>
+              <a:t> ORM ни предоставя стабилна и гъвкава рамка за работа с бази данни. Това ни осигурява ефективност, сигурност и бързо развитие на уеб приложения, отговарящи на съвременните изисквания. Усвояването на </a:t>
+            </a:r>
+            <a:r>
+              <a:rPr lang="bg-BG" sz="1200" kern="1200" dirty="0" err="1" smtClean="0">
+                <a:solidFill>
+                  <a:schemeClr val="tx1"/>
+                </a:solidFill>
+                <a:effectLst/>
+                <a:latin typeface="+mn-lt"/>
+                <a:ea typeface="+mn-ea"/>
+                <a:cs typeface="+mn-cs"/>
+              </a:rPr>
+              <a:t>Django</a:t>
+            </a:r>
+            <a:r>
+              <a:rPr lang="bg-BG" sz="1200" kern="1200" dirty="0" smtClean="0">
+                <a:solidFill>
+                  <a:schemeClr val="tx1"/>
+                </a:solidFill>
+                <a:effectLst/>
+                <a:latin typeface="+mn-lt"/>
+                <a:ea typeface="+mn-ea"/>
+                <a:cs typeface="+mn-cs"/>
+              </a:rPr>
+              <a:t> и неговите средства за управление на данни е ключово за всеки софтуерен разработчик, който иска да създава професионални и надеждни системи.</a:t>
+            </a:r>
+          </a:p>
+          <a:p>
+            <a:r>
+              <a:rPr lang="bg-BG" sz="1200" kern="1200" dirty="0" smtClean="0">
+                <a:solidFill>
+                  <a:schemeClr val="tx1"/>
+                </a:solidFill>
+                <a:effectLst/>
+                <a:latin typeface="+mn-lt"/>
+                <a:ea typeface="+mn-ea"/>
+                <a:cs typeface="+mn-cs"/>
+              </a:rPr>
+              <a:t> </a:t>
+            </a:r>
+          </a:p>
+          <a:p>
             <a:pPr marL="0" marR="0" indent="0" algn="l" defTabSz="914400" rtl="0" eaLnBrk="1" fontAlgn="auto" latinLnBrk="0" hangingPunct="1">
               <a:lnSpc>
                 <a:spcPct val="100000"/>
@@ -1381,18 +1505,15 @@
               <a:tabLst/>
               <a:defRPr/>
             </a:pPr>
-            <a:r>
-              <a:rPr lang="bg-BG" sz="1200" kern="1200" dirty="0" smtClean="0">
-                <a:solidFill>
-                  <a:schemeClr val="tx1"/>
-                </a:solidFill>
-                <a:effectLst/>
-                <a:latin typeface="+mn-lt"/>
-                <a:ea typeface="+mn-ea"/>
-                <a:cs typeface="+mn-cs"/>
-              </a:rPr>
-              <a:t>За релационни бази данни са избрани популярни сървъри като SQLite (по подразбиране), MySQL и PostgreSQL, които Django поддържа изцяло. Проекти като Flask и Ruby on Rails са разгледани като алтернативи, но Django e предпочетен заради своята интегрирана ORM система, вградена административна конзола, добра документация и голяма общност.</a:t>
-            </a:r>
+            <a:endParaRPr lang="bg-BG" sz="1200" kern="1200" dirty="0" smtClean="0">
+              <a:solidFill>
+                <a:schemeClr val="tx1"/>
+              </a:solidFill>
+              <a:effectLst/>
+              <a:latin typeface="+mn-lt"/>
+              <a:ea typeface="+mn-ea"/>
+              <a:cs typeface="+mn-cs"/>
+            </a:endParaRPr>
           </a:p>
           <a:p>
             <a:endParaRPr lang="bg-BG" dirty="0"/>
@@ -9157,13 +9278,21 @@
         </p:blipFill>
         <p:spPr bwMode="auto">
           <a:xfrm>
-            <a:off x="414068" y="208746"/>
+            <a:off x="452168" y="246847"/>
             <a:ext cx="646981" cy="854253"/>
           </a:xfrm>
           <a:prstGeom prst="rect">
             <a:avLst/>
           </a:prstGeom>
           <a:noFill/>
+          <a:effectLst>
+            <a:outerShdw blurRad="139700" dist="76200" dir="7800000" sx="8000" sy="8000" algn="ctr" rotWithShape="0">
+              <a:srgbClr val="000000">
+                <a:alpha val="43137"/>
+              </a:srgbClr>
+            </a:outerShdw>
+            <a:reflection stA="45000" endPos="4000" dist="50800" dir="5400000" sy="-100000" algn="bl" rotWithShape="0"/>
+          </a:effectLst>
           <a:extLst>
             <a:ext uri="{909E8E84-426E-40DD-AFC4-6F175D3DCCD1}">
               <a14:hiddenFill xmlns:a14="http://schemas.microsoft.com/office/drawing/2010/main">
@@ -9347,19 +9476,8 @@
                 <a:latin typeface="Arial" panose="020B0604020202020204" pitchFamily="34" charset="0"/>
                 <a:ea typeface="Times New Roman" panose="02020603050405020304" pitchFamily="18" charset="0"/>
               </a:rPr>
-              <a:t>о професияв код </a:t>
-            </a:r>
-            <a:r>
-              <a:rPr lang="bg-BG" altLang="bg-BG" sz="1400" dirty="0" smtClean="0">
-                <a:latin typeface="Arial" panose="020B0604020202020204" pitchFamily="34" charset="0"/>
-                <a:ea typeface="Times New Roman" panose="02020603050405020304" pitchFamily="18" charset="0"/>
-              </a:rPr>
-              <a:t>481030 „Приложен програмист“</a:t>
-            </a:r>
-            <a:endParaRPr lang="bg-BG" altLang="bg-BG" sz="1400" dirty="0" smtClean="0">
-              <a:latin typeface="Arial" panose="020B0604020202020204" pitchFamily="34" charset="0"/>
-              <a:ea typeface="Times New Roman" panose="02020603050405020304" pitchFamily="18" charset="0"/>
-            </a:endParaRPr>
+              <a:t>о професияв код 481030 „Приложен програмист“</a:t>
+            </a:r>
           </a:p>
           <a:p>
             <a:pPr marL="0" marR="0" lvl="0" indent="0" algn="ctr" defTabSz="914400" rtl="0" eaLnBrk="0" fontAlgn="base" latinLnBrk="0" hangingPunct="0">
@@ -9383,21 +9501,7 @@
                 <a:latin typeface="Arial" panose="020B0604020202020204" pitchFamily="34" charset="0"/>
                 <a:ea typeface="Times New Roman" panose="02020603050405020304" pitchFamily="18" charset="0"/>
               </a:rPr>
-              <a:t>       специалност код </a:t>
-            </a:r>
-            <a:r>
-              <a:rPr lang="bg-BG" altLang="bg-BG" sz="1400" dirty="0" smtClean="0">
-                <a:latin typeface="Arial" panose="020B0604020202020204" pitchFamily="34" charset="0"/>
-                <a:ea typeface="Times New Roman" panose="02020603050405020304" pitchFamily="18" charset="0"/>
-              </a:rPr>
-              <a:t>4810301 „</a:t>
-            </a:r>
-            <a:r>
-              <a:rPr lang="bg-BG" altLang="bg-BG" sz="1400" smtClean="0">
-                <a:latin typeface="Arial" panose="020B0604020202020204" pitchFamily="34" charset="0"/>
-                <a:ea typeface="Times New Roman" panose="02020603050405020304" pitchFamily="18" charset="0"/>
-              </a:rPr>
-              <a:t>Приложно програмиране“  </a:t>
+              <a:t>       специалност код 4810301 „Приложно програмиране“  </a:t>
             </a:r>
             <a:r>
               <a:rPr kumimoji="0" lang="en-US" altLang="bg-BG" sz="1400" b="0" i="0" u="none" strike="noStrike" cap="none" normalizeH="0" baseline="0" dirty="0" smtClean="0">

--- a/dr/presentation.pptx
+++ b/dr/presentation.pptx
@@ -504,7 +504,7 @@
       </p:grpSpPr>
       <p:sp>
         <p:nvSpPr>
-          <p:cNvPr id="2" name="Slide Image Placeholder 1"/>
+          <p:cNvPr id="2" name="Контейнер за изображение на слайда 1"/>
           <p:cNvSpPr>
             <a:spLocks noGrp="1" noRot="1" noChangeAspect="1"/>
           </p:cNvSpPr>
@@ -516,7 +516,7 @@
       </p:sp>
       <p:sp>
         <p:nvSpPr>
-          <p:cNvPr id="3" name="Notes Placeholder 2"/>
+          <p:cNvPr id="3" name="Контейнер за бележки 2"/>
           <p:cNvSpPr>
             <a:spLocks noGrp="1"/>
           </p:cNvSpPr>
@@ -530,7 +530,7 @@
           <a:lstStyle/>
           <a:p>
             <a:r>
-              <a:rPr lang="bg-BG" sz="1200" kern="1200" dirty="0" smtClean="0">
+              <a:rPr lang="bg-BG" sz="1200" b="1" kern="1200" dirty="0" smtClean="0">
                 <a:solidFill>
                   <a:schemeClr val="tx1"/>
                 </a:solidFill>
@@ -539,10 +539,10 @@
                 <a:ea typeface="+mn-ea"/>
                 <a:cs typeface="+mn-cs"/>
               </a:rPr>
-              <a:t>Увод</a:t>
-            </a:r>
-            <a:r>
-              <a:rPr lang="en-US" sz="1200" kern="1200" dirty="0" smtClean="0">
+              <a:t>Представяне</a:t>
+            </a:r>
+            <a:r>
+              <a:rPr lang="en-US" sz="1200" b="1" kern="1200" smtClean="0">
                 <a:solidFill>
                   <a:schemeClr val="tx1"/>
                 </a:solidFill>
@@ -551,9 +551,9 @@
                 <a:ea typeface="+mn-ea"/>
                 <a:cs typeface="+mn-cs"/>
               </a:rPr>
-              <a:t>:</a:t>
-            </a:r>
-            <a:endParaRPr lang="bg-BG" sz="1200" kern="1200" dirty="0" smtClean="0">
+              <a:t>;</a:t>
+            </a:r>
+            <a:endParaRPr lang="bg-BG" sz="1200" b="1" kern="1200" dirty="0" smtClean="0">
               <a:solidFill>
                 <a:schemeClr val="tx1"/>
               </a:solidFill>
@@ -564,8 +564,9 @@
             </a:endParaRPr>
           </a:p>
           <a:p>
-            <a:r>
-              <a:rPr lang="bg-BG" sz="1200" kern="1200" dirty="0" smtClean="0">
+            <a:pPr lvl="0"/>
+            <a:r>
+              <a:rPr lang="bg-BG" sz="1200" b="1" kern="1200" dirty="0" smtClean="0">
                 <a:solidFill>
                   <a:schemeClr val="tx1"/>
                 </a:solidFill>
@@ -574,17 +575,75 @@
                 <a:ea typeface="+mn-ea"/>
                 <a:cs typeface="+mn-cs"/>
               </a:rPr>
-              <a:t>В съвременния дигитален свят управлението на данните е ключов фактор за успешната работа на уеб приложенията. Технологичният напредък налага използването на мощни, ефективни и сигурни механизми за съхранение, обработка и извличане на информация. В този проект ще разгледаме една от най-популярните платформи за разработка на уеб решения – Django, и по-специално неговата интеграция с бази данни чрез обектно-релационния машинен слой (ORM).</a:t>
-            </a:r>
-          </a:p>
-          <a:p>
-            <a:endParaRPr lang="bg-BG" dirty="0"/>
-          </a:p>
-        </p:txBody>
-      </p:sp>
-      <p:sp>
-        <p:nvSpPr>
-          <p:cNvPr id="4" name="Slide Number Placeholder 3"/>
+              <a:t>Уважаема г-жо Директор,  Уважаема комисия,  уважаеми гости ( ако има такива)</a:t>
+            </a:r>
+          </a:p>
+          <a:p>
+            <a:r>
+              <a:rPr lang="bg-BG" sz="1200" b="1" kern="1200" dirty="0" smtClean="0">
+                <a:solidFill>
+                  <a:schemeClr val="tx1"/>
+                </a:solidFill>
+                <a:effectLst/>
+                <a:latin typeface="+mn-lt"/>
+                <a:ea typeface="+mn-ea"/>
+                <a:cs typeface="+mn-cs"/>
+              </a:rPr>
+              <a:t>Аз съм Десислава Панчова</a:t>
+            </a:r>
+          </a:p>
+          <a:p>
+            <a:r>
+              <a:rPr lang="bg-BG" sz="1200" b="1" kern="1200" dirty="0" smtClean="0">
+                <a:solidFill>
+                  <a:schemeClr val="tx1"/>
+                </a:solidFill>
+                <a:effectLst/>
+                <a:latin typeface="+mn-lt"/>
+                <a:ea typeface="+mn-ea"/>
+                <a:cs typeface="+mn-cs"/>
+              </a:rPr>
+              <a:t>Темата на моя дипломен проект е ,,Работа с ORM и </a:t>
+            </a:r>
+            <a:r>
+              <a:rPr lang="bg-BG" sz="1200" b="1" kern="1200" dirty="0" err="1" smtClean="0">
+                <a:solidFill>
+                  <a:schemeClr val="tx1"/>
+                </a:solidFill>
+                <a:effectLst/>
+                <a:latin typeface="+mn-lt"/>
+                <a:ea typeface="+mn-ea"/>
+                <a:cs typeface="+mn-cs"/>
+              </a:rPr>
+              <a:t>Django</a:t>
+            </a:r>
+            <a:r>
+              <a:rPr lang="bg-BG" sz="1200" b="1" kern="1200" dirty="0" smtClean="0">
+                <a:solidFill>
+                  <a:schemeClr val="tx1"/>
+                </a:solidFill>
+                <a:effectLst/>
+                <a:latin typeface="+mn-lt"/>
+                <a:ea typeface="+mn-ea"/>
+                <a:cs typeface="+mn-cs"/>
+              </a:rPr>
+              <a:t> ORM‘‘</a:t>
+            </a:r>
+            <a:endParaRPr lang="bg-BG" sz="1200" b="1" kern="1200" dirty="0">
+              <a:solidFill>
+                <a:schemeClr val="tx1"/>
+              </a:solidFill>
+              <a:effectLst/>
+              <a:latin typeface="+mn-lt"/>
+              <a:ea typeface="+mn-ea"/>
+              <a:cs typeface="+mn-cs"/>
+            </a:endParaRPr>
+          </a:p>
+        </p:txBody>
+      </p:sp>
+      <p:sp>
+        <p:nvSpPr>
+          <p:cNvPr id="4" name="Контейнер за номер на слайда 3"/>
           <p:cNvSpPr>
             <a:spLocks noGrp="1"/>
           </p:cNvSpPr>
@@ -599,7 +658,7 @@
           <a:p>
             <a:fld id="{5114091C-DA43-40EA-89E9-B554AE6B5816}" type="slidenum">
               <a:rPr lang="bg-BG" smtClean="0"/>
-              <a:t>2</a:t>
+              <a:t>1</a:t>
             </a:fld>
             <a:endParaRPr lang="bg-BG"/>
           </a:p>
@@ -608,7 +667,7 @@
     </p:spTree>
     <p:extLst>
       <p:ext uri="{BB962C8B-B14F-4D97-AF65-F5344CB8AC3E}">
-        <p14:creationId xmlns:p14="http://schemas.microsoft.com/office/powerpoint/2010/main" val="1712011761"/>
+        <p14:creationId xmlns:p14="http://schemas.microsoft.com/office/powerpoint/2010/main" val="273998578"/>
       </p:ext>
     </p:extLst>
   </p:cSld>
@@ -662,23 +721,6 @@
           <a:bodyPr/>
           <a:lstStyle/>
           <a:p>
-            <a:pPr marL="0" marR="0" indent="0" algn="l" defTabSz="914400" rtl="0" eaLnBrk="1" fontAlgn="auto" latinLnBrk="0" hangingPunct="1">
-              <a:lnSpc>
-                <a:spcPct val="100000"/>
-              </a:lnSpc>
-              <a:spcBef>
-                <a:spcPts val="0"/>
-              </a:spcBef>
-              <a:spcAft>
-                <a:spcPts val="0"/>
-              </a:spcAft>
-              <a:buClrTx/>
-              <a:buSzTx/>
-              <a:buFontTx/>
-              <a:buNone/>
-              <a:tabLst/>
-              <a:defRPr/>
-            </a:pPr>
             <a:r>
               <a:rPr lang="bg-BG" sz="1200" kern="1200" dirty="0" smtClean="0">
                 <a:solidFill>
@@ -689,7 +731,42 @@
                 <a:ea typeface="+mn-ea"/>
                 <a:cs typeface="+mn-cs"/>
               </a:rPr>
-              <a:t>Целта на нашия проект е да представи основните принципи на работа с бази данни в Django, да анализира ролята на моделите и връзките между тях, както и да демонстрира как ORM улеснява изпълнението на CRUD операции (създаване, четене, обновяване и изтриване на данни) без необходимост от писане на SQL заявки. Също така практическата  част реализира система за анкети, чрез което се илюстрират възможностите на Django ORM.Темата е актуална и приложима във времена на големи информационни натоварвания и бързо променящи се технологии.</a:t>
+              <a:t>Увод</a:t>
+            </a:r>
+            <a:r>
+              <a:rPr lang="en-US" sz="1200" kern="1200" dirty="0" smtClean="0">
+                <a:solidFill>
+                  <a:schemeClr val="tx1"/>
+                </a:solidFill>
+                <a:effectLst/>
+                <a:latin typeface="+mn-lt"/>
+                <a:ea typeface="+mn-ea"/>
+                <a:cs typeface="+mn-cs"/>
+              </a:rPr>
+              <a:t>:</a:t>
+            </a:r>
+            <a:endParaRPr lang="bg-BG" sz="1200" kern="1200" dirty="0" smtClean="0">
+              <a:solidFill>
+                <a:schemeClr val="tx1"/>
+              </a:solidFill>
+              <a:effectLst/>
+              <a:latin typeface="+mn-lt"/>
+              <a:ea typeface="+mn-ea"/>
+              <a:cs typeface="+mn-cs"/>
+            </a:endParaRPr>
+          </a:p>
+          <a:p>
+            <a:r>
+              <a:rPr lang="bg-BG" sz="1200" kern="1200" dirty="0" smtClean="0">
+                <a:solidFill>
+                  <a:schemeClr val="tx1"/>
+                </a:solidFill>
+                <a:effectLst/>
+                <a:latin typeface="+mn-lt"/>
+                <a:ea typeface="+mn-ea"/>
+                <a:cs typeface="+mn-cs"/>
+              </a:rPr>
+              <a:t>В съвременния дигитален свят управлението на данните е ключов фактор за успешната работа на уеб приложенията. Технологичният напредък налага използването на мощни, ефективни и сигурни механизми за съхранение, обработка и извличане на информация. В този проект ще разгледаме една от най-популярните платформи за разработка на уеб решения – Django, и по-специално неговата интеграция с бази данни чрез обектно-релационния машинен слой (ORM).</a:t>
             </a:r>
           </a:p>
           <a:p>
@@ -714,7 +791,7 @@
           <a:p>
             <a:fld id="{5114091C-DA43-40EA-89E9-B554AE6B5816}" type="slidenum">
               <a:rPr lang="bg-BG" smtClean="0"/>
-              <a:t>3</a:t>
+              <a:t>2</a:t>
             </a:fld>
             <a:endParaRPr lang="bg-BG"/>
           </a:p>
@@ -723,7 +800,7 @@
     </p:spTree>
     <p:extLst>
       <p:ext uri="{BB962C8B-B14F-4D97-AF65-F5344CB8AC3E}">
-        <p14:creationId xmlns:p14="http://schemas.microsoft.com/office/powerpoint/2010/main" val="3103049693"/>
+        <p14:creationId xmlns:p14="http://schemas.microsoft.com/office/powerpoint/2010/main" val="1712011761"/>
       </p:ext>
     </p:extLst>
   </p:cSld>
@@ -804,8 +881,10 @@
                 <a:ea typeface="+mn-ea"/>
                 <a:cs typeface="+mn-cs"/>
               </a:rPr>
-              <a:t>Django използва модели – Python класове, които представят таблици в база данни, а атрибутите на тези класове съответстват на колоните. Този подход, познат като обектно-релационно моделиране (ORM), позволява разработчиците да работят с данни чрез Python обекти, без да пишат директно SQL.</a:t>
-            </a:r>
+              <a:t>Целта на нашия проект е да представи основните принципи на работа с бази данни в Django, да анализира ролята на моделите и връзките между тях, както и да демонстрира как ORM улеснява изпълнението на CRUD операции (създаване, четене, обновяване и изтриване на данни) без необходимост от писане на SQL заявки. Също така практическата  част реализира система за анкети, чрез което се илюстрират възможностите на Django ORM.Темата е актуална и приложима във времена на големи информационни натоварвания и бързо променящи се технологии.</a:t>
+            </a:r>
+          </a:p>
+          <a:p>
             <a:endParaRPr lang="bg-BG" dirty="0"/>
           </a:p>
         </p:txBody>
@@ -827,7 +906,7 @@
           <a:p>
             <a:fld id="{5114091C-DA43-40EA-89E9-B554AE6B5816}" type="slidenum">
               <a:rPr lang="bg-BG" smtClean="0"/>
-              <a:t>4</a:t>
+              <a:t>3</a:t>
             </a:fld>
             <a:endParaRPr lang="bg-BG"/>
           </a:p>
@@ -836,7 +915,7 @@
     </p:spTree>
     <p:extLst>
       <p:ext uri="{BB962C8B-B14F-4D97-AF65-F5344CB8AC3E}">
-        <p14:creationId xmlns:p14="http://schemas.microsoft.com/office/powerpoint/2010/main" val="1797903771"/>
+        <p14:creationId xmlns:p14="http://schemas.microsoft.com/office/powerpoint/2010/main" val="3103049693"/>
       </p:ext>
     </p:extLst>
   </p:cSld>
@@ -917,10 +996,8 @@
                 <a:ea typeface="+mn-ea"/>
                 <a:cs typeface="+mn-cs"/>
               </a:rPr>
-              <a:t>В практическата реализация са дефинирани модели за анкети (Poll), въпроси (Question) и отговори (Option). Един Poll съдържа множество въпроси (ManyToMany връзка), а всеки въпрос има множество опции (ForeignKey). Всеки модел включва полета с подходящи типове и помощни методи за управление на данните и статистика за отговори.</a:t>
-            </a:r>
-          </a:p>
-          <a:p>
+              <a:t>Django използва модели – Python класове, които представят таблици в база данни, а атрибутите на тези класове съответстват на колоните. Този подход, познат като обектно-релационно моделиране (ORM), позволява разработчиците да работят с данни чрез Python обекти, без да пишат директно SQL.</a:t>
+            </a:r>
             <a:endParaRPr lang="bg-BG" dirty="0"/>
           </a:p>
         </p:txBody>
@@ -942,7 +1019,7 @@
           <a:p>
             <a:fld id="{5114091C-DA43-40EA-89E9-B554AE6B5816}" type="slidenum">
               <a:rPr lang="bg-BG" smtClean="0"/>
-              <a:t>5</a:t>
+              <a:t>4</a:t>
             </a:fld>
             <a:endParaRPr lang="bg-BG"/>
           </a:p>
@@ -951,7 +1028,7 @@
     </p:spTree>
     <p:extLst>
       <p:ext uri="{BB962C8B-B14F-4D97-AF65-F5344CB8AC3E}">
-        <p14:creationId xmlns:p14="http://schemas.microsoft.com/office/powerpoint/2010/main" val="2588766508"/>
+        <p14:creationId xmlns:p14="http://schemas.microsoft.com/office/powerpoint/2010/main" val="1797903771"/>
       </p:ext>
     </p:extLst>
   </p:cSld>
@@ -1032,28 +1109,11 @@
                 <a:ea typeface="+mn-ea"/>
                 <a:cs typeface="+mn-cs"/>
               </a:rPr>
-              <a:t>Поддържат се различни видове връзки между модели: едно към едно, едно към много и много към много.</a:t>
-            </a:r>
-          </a:p>
-          <a:p>
-            <a:pPr marL="0" marR="0" indent="0" algn="l" defTabSz="914400" rtl="0" eaLnBrk="1" fontAlgn="auto" latinLnBrk="0" hangingPunct="1">
-              <a:lnSpc>
-                <a:spcPct val="100000"/>
-              </a:lnSpc>
-              <a:spcBef>
-                <a:spcPts val="0"/>
-              </a:spcBef>
-              <a:spcAft>
-                <a:spcPts val="0"/>
-              </a:spcAft>
-              <a:buClrTx/>
-              <a:buSzTx/>
-              <a:buFontTx/>
-              <a:buNone/>
-              <a:tabLst/>
-              <a:defRPr/>
-            </a:pPr>
-            <a:endParaRPr lang="bg-BG" dirty="0" smtClean="0"/>
+              <a:t>В практическата реализация са дефинирани модели за анкети (Poll), въпроси (Question) и отговори (Option). Един Poll съдържа множество въпроси (ManyToMany връзка), а всеки въпрос има множество опции (ForeignKey). Всеки модел включва полета с подходящи типове и помощни методи за управление на данните и статистика за отговори.</a:t>
+            </a:r>
+          </a:p>
+          <a:p>
+            <a:endParaRPr lang="bg-BG" dirty="0"/>
           </a:p>
         </p:txBody>
       </p:sp>
@@ -1074,7 +1134,7 @@
           <a:p>
             <a:fld id="{5114091C-DA43-40EA-89E9-B554AE6B5816}" type="slidenum">
               <a:rPr lang="bg-BG" smtClean="0"/>
-              <a:t>6</a:t>
+              <a:t>5</a:t>
             </a:fld>
             <a:endParaRPr lang="bg-BG"/>
           </a:p>
@@ -1083,7 +1143,7 @@
     </p:spTree>
     <p:extLst>
       <p:ext uri="{BB962C8B-B14F-4D97-AF65-F5344CB8AC3E}">
-        <p14:creationId xmlns:p14="http://schemas.microsoft.com/office/powerpoint/2010/main" val="854438170"/>
+        <p14:creationId xmlns:p14="http://schemas.microsoft.com/office/powerpoint/2010/main" val="2588766508"/>
       </p:ext>
     </p:extLst>
   </p:cSld>
@@ -1137,6 +1197,23 @@
           <a:bodyPr/>
           <a:lstStyle/>
           <a:p>
+            <a:pPr marL="0" marR="0" indent="0" algn="l" defTabSz="914400" rtl="0" eaLnBrk="1" fontAlgn="auto" latinLnBrk="0" hangingPunct="1">
+              <a:lnSpc>
+                <a:spcPct val="100000"/>
+              </a:lnSpc>
+              <a:spcBef>
+                <a:spcPts val="0"/>
+              </a:spcBef>
+              <a:spcAft>
+                <a:spcPts val="0"/>
+              </a:spcAft>
+              <a:buClrTx/>
+              <a:buSzTx/>
+              <a:buFontTx/>
+              <a:buNone/>
+              <a:tabLst/>
+              <a:defRPr/>
+            </a:pPr>
             <a:r>
               <a:rPr lang="bg-BG" sz="1200" kern="1200" dirty="0" smtClean="0">
                 <a:solidFill>
@@ -1147,25 +1224,28 @@
                 <a:ea typeface="+mn-ea"/>
                 <a:cs typeface="+mn-cs"/>
               </a:rPr>
-              <a:t> </a:t>
-            </a:r>
-          </a:p>
-          <a:p>
-            <a:r>
-              <a:rPr lang="bg-BG" sz="1200" kern="1200" dirty="0" smtClean="0">
-                <a:solidFill>
-                  <a:schemeClr val="tx1"/>
-                </a:solidFill>
-                <a:effectLst/>
-                <a:latin typeface="+mn-lt"/>
-                <a:ea typeface="+mn-ea"/>
-                <a:cs typeface="+mn-cs"/>
-              </a:rPr>
-              <a:t>CRUD операциите се извършват чрез лесни и интуитивни методи на Django ORM, което значително ускорява разработката и намалява риска от грешки. Системата поддържа статистика за броя на отговорите на въпросите и опциите.</a:t>
-            </a:r>
-          </a:p>
-          <a:p>
-            <a:endParaRPr lang="bg-BG" dirty="0"/>
+              <a:t>Поддържат се различни видове връзки между модели: едно към едно, едно към много и много към много.</a:t>
+            </a:r>
+          </a:p>
+          <a:p>
+            <a:pPr marL="0" marR="0" indent="0" algn="l" defTabSz="914400" rtl="0" eaLnBrk="1" fontAlgn="auto" latinLnBrk="0" hangingPunct="1">
+              <a:lnSpc>
+                <a:spcPct val="100000"/>
+              </a:lnSpc>
+              <a:spcBef>
+                <a:spcPts val="0"/>
+              </a:spcBef>
+              <a:spcAft>
+                <a:spcPts val="0"/>
+              </a:spcAft>
+              <a:buClrTx/>
+              <a:buSzTx/>
+              <a:buFontTx/>
+              <a:buNone/>
+              <a:tabLst/>
+              <a:defRPr/>
+            </a:pPr>
+            <a:endParaRPr lang="bg-BG" dirty="0" smtClean="0"/>
           </a:p>
         </p:txBody>
       </p:sp>
@@ -1186,7 +1266,7 @@
           <a:p>
             <a:fld id="{5114091C-DA43-40EA-89E9-B554AE6B5816}" type="slidenum">
               <a:rPr lang="bg-BG" smtClean="0"/>
-              <a:t>7</a:t>
+              <a:t>6</a:t>
             </a:fld>
             <a:endParaRPr lang="bg-BG"/>
           </a:p>
@@ -1195,7 +1275,7 @@
     </p:spTree>
     <p:extLst>
       <p:ext uri="{BB962C8B-B14F-4D97-AF65-F5344CB8AC3E}">
-        <p14:creationId xmlns:p14="http://schemas.microsoft.com/office/powerpoint/2010/main" val="1540762528"/>
+        <p14:creationId xmlns:p14="http://schemas.microsoft.com/office/powerpoint/2010/main" val="854438170"/>
       </p:ext>
     </p:extLst>
   </p:cSld>
@@ -1249,23 +1329,6 @@
           <a:bodyPr/>
           <a:lstStyle/>
           <a:p>
-            <a:pPr marL="0" marR="0" indent="0" algn="l" defTabSz="914400" rtl="0" eaLnBrk="1" fontAlgn="auto" latinLnBrk="0" hangingPunct="1">
-              <a:lnSpc>
-                <a:spcPct val="100000"/>
-              </a:lnSpc>
-              <a:spcBef>
-                <a:spcPts val="0"/>
-              </a:spcBef>
-              <a:spcAft>
-                <a:spcPts val="0"/>
-              </a:spcAft>
-              <a:buClrTx/>
-              <a:buSzTx/>
-              <a:buFontTx/>
-              <a:buNone/>
-              <a:tabLst/>
-              <a:defRPr/>
-            </a:pPr>
             <a:r>
               <a:rPr lang="bg-BG" sz="1200" kern="1200" dirty="0" smtClean="0">
                 <a:solidFill>
@@ -1276,7 +1339,21 @@
                 <a:ea typeface="+mn-ea"/>
                 <a:cs typeface="+mn-cs"/>
               </a:rPr>
-              <a:t>Django предлага богата палитра от полета – CharField, TextField, IntegerField, BooleanField, и други, както и полета за качване на файлове и изображения. Заявките се извършват чрез ORM методи като all(), filter(), get(), update() и delete(). Освен това се поддържат сложни заявки с агрегиращи функции, филтриране и сортиране.</a:t>
+              <a:t> </a:t>
+            </a:r>
+          </a:p>
+          <a:p>
+            <a:r>
+              <a:rPr lang="bg-BG" sz="1200" kern="1200" dirty="0" smtClean="0">
+                <a:solidFill>
+                  <a:schemeClr val="tx1"/>
+                </a:solidFill>
+                <a:effectLst/>
+                <a:latin typeface="+mn-lt"/>
+                <a:ea typeface="+mn-ea"/>
+                <a:cs typeface="+mn-cs"/>
+              </a:rPr>
+              <a:t>CRUD операциите се извършват чрез лесни и интуитивни методи на Django ORM, което значително ускорява разработката и намалява риска от грешки. Системата поддържа статистика за броя на отговорите на въпросите и опциите.</a:t>
             </a:r>
           </a:p>
           <a:p>
@@ -1301,7 +1378,7 @@
           <a:p>
             <a:fld id="{5114091C-DA43-40EA-89E9-B554AE6B5816}" type="slidenum">
               <a:rPr lang="bg-BG" smtClean="0"/>
-              <a:t>8</a:t>
+              <a:t>7</a:t>
             </a:fld>
             <a:endParaRPr lang="bg-BG"/>
           </a:p>
@@ -1310,7 +1387,7 @@
     </p:spTree>
     <p:extLst>
       <p:ext uri="{BB962C8B-B14F-4D97-AF65-F5344CB8AC3E}">
-        <p14:creationId xmlns:p14="http://schemas.microsoft.com/office/powerpoint/2010/main" val="1620918466"/>
+        <p14:creationId xmlns:p14="http://schemas.microsoft.com/office/powerpoint/2010/main" val="1540762528"/>
       </p:ext>
     </p:extLst>
   </p:cSld>
@@ -1364,6 +1441,121 @@
           <a:bodyPr/>
           <a:lstStyle/>
           <a:p>
+            <a:pPr marL="0" marR="0" indent="0" algn="l" defTabSz="914400" rtl="0" eaLnBrk="1" fontAlgn="auto" latinLnBrk="0" hangingPunct="1">
+              <a:lnSpc>
+                <a:spcPct val="100000"/>
+              </a:lnSpc>
+              <a:spcBef>
+                <a:spcPts val="0"/>
+              </a:spcBef>
+              <a:spcAft>
+                <a:spcPts val="0"/>
+              </a:spcAft>
+              <a:buClrTx/>
+              <a:buSzTx/>
+              <a:buFontTx/>
+              <a:buNone/>
+              <a:tabLst/>
+              <a:defRPr/>
+            </a:pPr>
+            <a:r>
+              <a:rPr lang="bg-BG" sz="1200" kern="1200" dirty="0" smtClean="0">
+                <a:solidFill>
+                  <a:schemeClr val="tx1"/>
+                </a:solidFill>
+                <a:effectLst/>
+                <a:latin typeface="+mn-lt"/>
+                <a:ea typeface="+mn-ea"/>
+                <a:cs typeface="+mn-cs"/>
+              </a:rPr>
+              <a:t>Django предлага богата палитра от полета – CharField, TextField, IntegerField, BooleanField, и други, както и полета за качване на файлове и изображения. Заявките се извършват чрез ORM методи като all(), filter(), get(), update() и delete(). Освен това се поддържат сложни заявки с агрегиращи функции, филтриране и сортиране.</a:t>
+            </a:r>
+          </a:p>
+          <a:p>
+            <a:endParaRPr lang="bg-BG" dirty="0"/>
+          </a:p>
+        </p:txBody>
+      </p:sp>
+      <p:sp>
+        <p:nvSpPr>
+          <p:cNvPr id="4" name="Slide Number Placeholder 3"/>
+          <p:cNvSpPr>
+            <a:spLocks noGrp="1"/>
+          </p:cNvSpPr>
+          <p:nvPr>
+            <p:ph type="sldNum" sz="quarter" idx="10"/>
+          </p:nvPr>
+        </p:nvSpPr>
+        <p:spPr/>
+        <p:txBody>
+          <a:bodyPr/>
+          <a:lstStyle/>
+          <a:p>
+            <a:fld id="{5114091C-DA43-40EA-89E9-B554AE6B5816}" type="slidenum">
+              <a:rPr lang="bg-BG" smtClean="0"/>
+              <a:t>8</a:t>
+            </a:fld>
+            <a:endParaRPr lang="bg-BG"/>
+          </a:p>
+        </p:txBody>
+      </p:sp>
+    </p:spTree>
+    <p:extLst>
+      <p:ext uri="{BB962C8B-B14F-4D97-AF65-F5344CB8AC3E}">
+        <p14:creationId xmlns:p14="http://schemas.microsoft.com/office/powerpoint/2010/main" val="1620918466"/>
+      </p:ext>
+    </p:extLst>
+  </p:cSld>
+  <p:clrMapOvr>
+    <a:masterClrMapping/>
+  </p:clrMapOvr>
+</p:notes>
+</file>
+
+<file path=ppt/notesSlides/notesSlide9.xml><?xml version="1.0" encoding="utf-8"?>
+<p:notes xmlns:a="http://schemas.openxmlformats.org/drawingml/2006/main" xmlns:r="http://schemas.openxmlformats.org/officeDocument/2006/relationships" xmlns:p="http://schemas.openxmlformats.org/presentationml/2006/main">
+  <p:cSld>
+    <p:spTree>
+      <p:nvGrpSpPr>
+        <p:cNvPr id="1" name=""/>
+        <p:cNvGrpSpPr/>
+        <p:nvPr/>
+      </p:nvGrpSpPr>
+      <p:grpSpPr>
+        <a:xfrm>
+          <a:off x="0" y="0"/>
+          <a:ext cx="0" cy="0"/>
+          <a:chOff x="0" y="0"/>
+          <a:chExt cx="0" cy="0"/>
+        </a:xfrm>
+      </p:grpSpPr>
+      <p:sp>
+        <p:nvSpPr>
+          <p:cNvPr id="2" name="Slide Image Placeholder 1"/>
+          <p:cNvSpPr>
+            <a:spLocks noGrp="1" noRot="1" noChangeAspect="1"/>
+          </p:cNvSpPr>
+          <p:nvPr>
+            <p:ph type="sldImg"/>
+          </p:nvPr>
+        </p:nvSpPr>
+        <p:spPr/>
+      </p:sp>
+      <p:sp>
+        <p:nvSpPr>
+          <p:cNvPr id="3" name="Notes Placeholder 2"/>
+          <p:cNvSpPr>
+            <a:spLocks noGrp="1"/>
+          </p:cNvSpPr>
+          <p:nvPr>
+            <p:ph type="body" idx="1"/>
+          </p:nvPr>
+        </p:nvSpPr>
+        <p:spPr/>
+        <p:txBody>
+          <a:bodyPr/>
+          <a:lstStyle/>
+          <a:p>
             <a:r>
               <a:rPr lang="bg-BG" sz="1200" kern="1200" dirty="0" smtClean="0">
                 <a:solidFill>
@@ -1398,31 +1590,7 @@
                 <a:ea typeface="+mn-ea"/>
                 <a:cs typeface="+mn-cs"/>
               </a:rPr>
-              <a:t> </a:t>
-            </a:r>
-            <a:r>
-              <a:rPr lang="bg-BG" sz="1200" kern="1200" dirty="0" smtClean="0">
-                <a:solidFill>
-                  <a:schemeClr val="tx1"/>
-                </a:solidFill>
-                <a:effectLst/>
-                <a:latin typeface="+mn-lt"/>
-                <a:ea typeface="+mn-ea"/>
-                <a:cs typeface="+mn-cs"/>
-              </a:rPr>
-              <a:t>e предпочетен заради своята интегрирана ORM система, вградена административна конзола, добра документация и голяма общност</a:t>
-            </a:r>
-            <a:r>
-              <a:rPr lang="bg-BG" sz="1200" kern="1200" dirty="0" smtClean="0">
-                <a:solidFill>
-                  <a:schemeClr val="tx1"/>
-                </a:solidFill>
-                <a:effectLst/>
-                <a:latin typeface="+mn-lt"/>
-                <a:ea typeface="+mn-ea"/>
-                <a:cs typeface="+mn-cs"/>
-              </a:rPr>
-              <a:t>. Накратко в моят дипломен проект доказваме, че </a:t>
+              <a:t> e предпочетен заради своята интегрирана ORM система, вградена административна конзола, добра документация и голяма общност. Накратко в моят дипломен проект доказваме, че </a:t>
             </a:r>
             <a:r>
               <a:rPr lang="bg-BG" sz="1200" kern="1200" dirty="0" err="1" smtClean="0">
@@ -9264,7 +9432,7 @@
           <p:nvPr/>
         </p:nvPicPr>
         <p:blipFill>
-          <a:blip r:embed="rId2">
+          <a:blip r:embed="rId3">
             <a:extLst>
               <a:ext uri="{28A0092B-C50C-407E-A947-70E740481C1C}">
                 <a14:useLocalDpi xmlns:a14="http://schemas.microsoft.com/office/drawing/2010/main" val="0"/>

--- a/dr/presentation.pptx
+++ b/dr/presentation.pptx
@@ -184,7 +184,7 @@
             </a:lvl1pPr>
           </a:lstStyle>
           <a:p>
-            <a:endParaRPr lang="bg-BG"/>
+            <a:endParaRPr lang="bg-BG" dirty="0"/>
           </a:p>
         </p:txBody>
       </p:sp>
@@ -219,7 +219,7 @@
               <a:rPr lang="bg-BG" smtClean="0"/>
               <a:t>14.5.2025 г.</a:t>
             </a:fld>
-            <a:endParaRPr lang="bg-BG"/>
+            <a:endParaRPr lang="bg-BG" dirty="0"/>
           </a:p>
         </p:txBody>
       </p:sp>
@@ -252,7 +252,7 @@
           <a:bodyPr vert="horz" lIns="91440" tIns="45720" rIns="91440" bIns="45720" rtlCol="0" anchor="ctr"/>
           <a:lstStyle/>
           <a:p>
-            <a:endParaRPr lang="bg-BG"/>
+            <a:endParaRPr lang="bg-BG" dirty="0"/>
           </a:p>
         </p:txBody>
       </p:sp>
@@ -343,7 +343,7 @@
             </a:lvl1pPr>
           </a:lstStyle>
           <a:p>
-            <a:endParaRPr lang="bg-BG"/>
+            <a:endParaRPr lang="bg-BG" dirty="0"/>
           </a:p>
         </p:txBody>
       </p:sp>
@@ -378,7 +378,7 @@
               <a:rPr lang="bg-BG" smtClean="0"/>
               <a:t>‹#›</a:t>
             </a:fld>
-            <a:endParaRPr lang="bg-BG"/>
+            <a:endParaRPr lang="bg-BG" dirty="0"/>
           </a:p>
         </p:txBody>
       </p:sp>
@@ -542,7 +542,7 @@
               <a:t>Представяне</a:t>
             </a:r>
             <a:r>
-              <a:rPr lang="en-US" sz="1200" b="1" kern="1200" smtClean="0">
+              <a:rPr lang="en-US" sz="1200" b="1" kern="1200" dirty="0" smtClean="0">
                 <a:solidFill>
                   <a:schemeClr val="tx1"/>
                 </a:solidFill>
@@ -575,7 +575,31 @@
                 <a:ea typeface="+mn-ea"/>
                 <a:cs typeface="+mn-cs"/>
               </a:rPr>
-              <a:t>Уважаема г-жо Директор,  Уважаема комисия,  уважаеми гости ( ако има такива)</a:t>
+              <a:t>Уважаема г-жо Директор,  Уважаема комисия,  уважаеми гости </a:t>
+            </a:r>
+            <a:r>
+              <a:rPr lang="bg-BG" sz="1200" b="1" kern="1200" dirty="0" smtClean="0">
+                <a:solidFill>
+                  <a:schemeClr val="tx1"/>
+                </a:solidFill>
+                <a:effectLst/>
+                <a:latin typeface="+mn-lt"/>
+                <a:ea typeface="+mn-ea"/>
+                <a:cs typeface="+mn-cs"/>
+              </a:rPr>
+              <a:t>(ако </a:t>
+            </a:r>
+            <a:r>
+              <a:rPr lang="bg-BG" sz="1200" b="1" kern="1200" dirty="0" smtClean="0">
+                <a:solidFill>
+                  <a:schemeClr val="tx1"/>
+                </a:solidFill>
+                <a:effectLst/>
+                <a:latin typeface="+mn-lt"/>
+                <a:ea typeface="+mn-ea"/>
+                <a:cs typeface="+mn-cs"/>
+              </a:rPr>
+              <a:t>има такива)</a:t>
             </a:r>
           </a:p>
           <a:p>
@@ -603,31 +627,7 @@
                 <a:ea typeface="+mn-ea"/>
                 <a:cs typeface="+mn-cs"/>
               </a:rPr>
-              <a:t>Темата на моя дипломен проект е ,,Работа с ORM и </a:t>
-            </a:r>
-            <a:r>
-              <a:rPr lang="bg-BG" sz="1200" b="1" kern="1200" dirty="0" err="1" smtClean="0">
-                <a:solidFill>
-                  <a:schemeClr val="tx1"/>
-                </a:solidFill>
-                <a:effectLst/>
-                <a:latin typeface="+mn-lt"/>
-                <a:ea typeface="+mn-ea"/>
-                <a:cs typeface="+mn-cs"/>
-              </a:rPr>
-              <a:t>Django</a:t>
-            </a:r>
-            <a:r>
-              <a:rPr lang="bg-BG" sz="1200" b="1" kern="1200" dirty="0" smtClean="0">
-                <a:solidFill>
-                  <a:schemeClr val="tx1"/>
-                </a:solidFill>
-                <a:effectLst/>
-                <a:latin typeface="+mn-lt"/>
-                <a:ea typeface="+mn-ea"/>
-                <a:cs typeface="+mn-cs"/>
-              </a:rPr>
-              <a:t> ORM‘‘</a:t>
+              <a:t>Темата на моя дипломен проект е ,,Работа с ORM и Django ORM‘‘</a:t>
             </a:r>
             <a:endParaRPr lang="bg-BG" sz="1200" b="1" kern="1200" dirty="0">
               <a:solidFill>
@@ -660,7 +660,7 @@
               <a:rPr lang="bg-BG" smtClean="0"/>
               <a:t>1</a:t>
             </a:fld>
-            <a:endParaRPr lang="bg-BG"/>
+            <a:endParaRPr lang="bg-BG" dirty="0"/>
           </a:p>
         </p:txBody>
       </p:sp>
@@ -793,7 +793,7 @@
               <a:rPr lang="bg-BG" smtClean="0"/>
               <a:t>2</a:t>
             </a:fld>
-            <a:endParaRPr lang="bg-BG"/>
+            <a:endParaRPr lang="bg-BG" dirty="0"/>
           </a:p>
         </p:txBody>
       </p:sp>
@@ -908,7 +908,7 @@
               <a:rPr lang="bg-BG" smtClean="0"/>
               <a:t>3</a:t>
             </a:fld>
-            <a:endParaRPr lang="bg-BG"/>
+            <a:endParaRPr lang="bg-BG" dirty="0"/>
           </a:p>
         </p:txBody>
       </p:sp>
@@ -1021,7 +1021,7 @@
               <a:rPr lang="bg-BG" smtClean="0"/>
               <a:t>4</a:t>
             </a:fld>
-            <a:endParaRPr lang="bg-BG"/>
+            <a:endParaRPr lang="bg-BG" dirty="0"/>
           </a:p>
         </p:txBody>
       </p:sp>
@@ -1136,7 +1136,7 @@
               <a:rPr lang="bg-BG" smtClean="0"/>
               <a:t>5</a:t>
             </a:fld>
-            <a:endParaRPr lang="bg-BG"/>
+            <a:endParaRPr lang="bg-BG" dirty="0"/>
           </a:p>
         </p:txBody>
       </p:sp>
@@ -1268,7 +1268,7 @@
               <a:rPr lang="bg-BG" smtClean="0"/>
               <a:t>6</a:t>
             </a:fld>
-            <a:endParaRPr lang="bg-BG"/>
+            <a:endParaRPr lang="bg-BG" dirty="0"/>
           </a:p>
         </p:txBody>
       </p:sp>
@@ -1380,7 +1380,7 @@
               <a:rPr lang="bg-BG" smtClean="0"/>
               <a:t>7</a:t>
             </a:fld>
-            <a:endParaRPr lang="bg-BG"/>
+            <a:endParaRPr lang="bg-BG" dirty="0"/>
           </a:p>
         </p:txBody>
       </p:sp>
@@ -1495,7 +1495,7 @@
               <a:rPr lang="bg-BG" smtClean="0"/>
               <a:t>8</a:t>
             </a:fld>
-            <a:endParaRPr lang="bg-BG"/>
+            <a:endParaRPr lang="bg-BG" dirty="0"/>
           </a:p>
         </p:txBody>
       </p:sp>
@@ -1566,79 +1566,7 @@
                 <a:ea typeface="+mn-ea"/>
                 <a:cs typeface="+mn-cs"/>
               </a:rPr>
-              <a:t>За релационни бази данни са избрани популярни сървъри като SQLite (по подразбиране), MySQL и PostgreSQL, които Django поддържа изцяло. </a:t>
-            </a:r>
-            <a:r>
-              <a:rPr lang="bg-BG" sz="1200" kern="1200" dirty="0" err="1" smtClean="0">
-                <a:solidFill>
-                  <a:schemeClr val="tx1"/>
-                </a:solidFill>
-                <a:effectLst/>
-                <a:latin typeface="+mn-lt"/>
-                <a:ea typeface="+mn-ea"/>
-                <a:cs typeface="+mn-cs"/>
-              </a:rPr>
-              <a:t>Django</a:t>
-            </a:r>
-            <a:r>
-              <a:rPr lang="bg-BG" sz="1200" kern="1200" dirty="0" smtClean="0">
-                <a:solidFill>
-                  <a:schemeClr val="tx1"/>
-                </a:solidFill>
-                <a:effectLst/>
-                <a:latin typeface="+mn-lt"/>
-                <a:ea typeface="+mn-ea"/>
-                <a:cs typeface="+mn-cs"/>
-              </a:rPr>
-              <a:t> e предпочетен заради своята интегрирана ORM система, вградена административна конзола, добра документация и голяма общност. Накратко в моят дипломен проект доказваме, че </a:t>
-            </a:r>
-            <a:r>
-              <a:rPr lang="bg-BG" sz="1200" kern="1200" dirty="0" err="1" smtClean="0">
-                <a:solidFill>
-                  <a:schemeClr val="tx1"/>
-                </a:solidFill>
-                <a:effectLst/>
-                <a:latin typeface="+mn-lt"/>
-                <a:ea typeface="+mn-ea"/>
-                <a:cs typeface="+mn-cs"/>
-              </a:rPr>
-              <a:t>Django</a:t>
-            </a:r>
-            <a:r>
-              <a:rPr lang="bg-BG" sz="1200" kern="1200" dirty="0" smtClean="0">
-                <a:solidFill>
-                  <a:schemeClr val="tx1"/>
-                </a:solidFill>
-                <a:effectLst/>
-                <a:latin typeface="+mn-lt"/>
-                <a:ea typeface="+mn-ea"/>
-                <a:cs typeface="+mn-cs"/>
-              </a:rPr>
-              <a:t> ORM ни предоставя стабилна и гъвкава рамка за работа с бази данни. Това ни осигурява ефективност, сигурност и бързо развитие на уеб приложения, отговарящи на съвременните изисквания. Усвояването на </a:t>
-            </a:r>
-            <a:r>
-              <a:rPr lang="bg-BG" sz="1200" kern="1200" dirty="0" err="1" smtClean="0">
-                <a:solidFill>
-                  <a:schemeClr val="tx1"/>
-                </a:solidFill>
-                <a:effectLst/>
-                <a:latin typeface="+mn-lt"/>
-                <a:ea typeface="+mn-ea"/>
-                <a:cs typeface="+mn-cs"/>
-              </a:rPr>
-              <a:t>Django</a:t>
-            </a:r>
-            <a:r>
-              <a:rPr lang="bg-BG" sz="1200" kern="1200" dirty="0" smtClean="0">
-                <a:solidFill>
-                  <a:schemeClr val="tx1"/>
-                </a:solidFill>
-                <a:effectLst/>
-                <a:latin typeface="+mn-lt"/>
-                <a:ea typeface="+mn-ea"/>
-                <a:cs typeface="+mn-cs"/>
-              </a:rPr>
-              <a:t> и неговите средства за управление на данни е ключово за всеки софтуерен разработчик, който иска да създава професионални и надеждни системи.</a:t>
+              <a:t>За релационни бази данни са избрани популярни сървъри като SQLite (по подразбиране), MySQL и PostgreSQL, които Django поддържа изцяло. Django e предпочетен заради своята интегрирана ORM система, вградена административна конзола, добра документация и голяма общност. Накратко в моят дипломен проект доказваме, че Django ORM ни предоставя стабилна и гъвкава рамка за работа с бази данни. Това ни осигурява ефективност, сигурност и бързо развитие на уеб приложения, отговарящи на съвременните изисквания. Усвояването на Django и неговите средства за управление на данни е ключово за всеки софтуерен разработчик, който иска да създава професионални и надеждни системи.</a:t>
             </a:r>
           </a:p>
           <a:p>
@@ -1707,7 +1635,7 @@
               <a:rPr lang="bg-BG" smtClean="0"/>
               <a:t>9</a:t>
             </a:fld>
-            <a:endParaRPr lang="bg-BG"/>
+            <a:endParaRPr lang="bg-BG" dirty="0"/>
           </a:p>
         </p:txBody>
       </p:sp>
@@ -1914,7 +1842,7 @@
               <a:rPr lang="bg-BG" smtClean="0"/>
               <a:t>14.5.2025 г.</a:t>
             </a:fld>
-            <a:endParaRPr lang="bg-BG"/>
+            <a:endParaRPr lang="bg-BG" dirty="0"/>
           </a:p>
         </p:txBody>
       </p:sp>
@@ -1933,7 +1861,7 @@
           <a:bodyPr/>
           <a:lstStyle/>
           <a:p>
-            <a:endParaRPr lang="bg-BG"/>
+            <a:endParaRPr lang="bg-BG" dirty="0"/>
           </a:p>
         </p:txBody>
       </p:sp>
@@ -2043,7 +1971,7 @@
               <a:rPr lang="bg-BG" smtClean="0"/>
               <a:t>‹#›</a:t>
             </a:fld>
-            <a:endParaRPr lang="bg-BG"/>
+            <a:endParaRPr lang="bg-BG" dirty="0"/>
           </a:p>
         </p:txBody>
       </p:sp>
@@ -2252,7 +2180,7 @@
               <a:rPr lang="bg-BG" smtClean="0"/>
               <a:t>14.5.2025 г.</a:t>
             </a:fld>
-            <a:endParaRPr lang="bg-BG"/>
+            <a:endParaRPr lang="bg-BG" dirty="0"/>
           </a:p>
         </p:txBody>
       </p:sp>
@@ -2271,7 +2199,7 @@
           <a:bodyPr/>
           <a:lstStyle/>
           <a:p>
-            <a:endParaRPr lang="bg-BG"/>
+            <a:endParaRPr lang="bg-BG" dirty="0"/>
           </a:p>
         </p:txBody>
       </p:sp>
@@ -2381,7 +2309,7 @@
               <a:rPr lang="bg-BG" smtClean="0"/>
               <a:t>‹#›</a:t>
             </a:fld>
-            <a:endParaRPr lang="bg-BG"/>
+            <a:endParaRPr lang="bg-BG" dirty="0"/>
           </a:p>
         </p:txBody>
       </p:sp>
@@ -2653,7 +2581,7 @@
               <a:rPr lang="bg-BG" smtClean="0"/>
               <a:t>14.5.2025 г.</a:t>
             </a:fld>
-            <a:endParaRPr lang="bg-BG"/>
+            <a:endParaRPr lang="bg-BG" dirty="0"/>
           </a:p>
         </p:txBody>
       </p:sp>
@@ -2672,7 +2600,7 @@
           <a:bodyPr/>
           <a:lstStyle/>
           <a:p>
-            <a:endParaRPr lang="bg-BG"/>
+            <a:endParaRPr lang="bg-BG" dirty="0"/>
           </a:p>
         </p:txBody>
       </p:sp>
@@ -2782,7 +2710,7 @@
               <a:rPr lang="bg-BG" smtClean="0"/>
               <a:t>‹#›</a:t>
             </a:fld>
-            <a:endParaRPr lang="bg-BG"/>
+            <a:endParaRPr lang="bg-BG" dirty="0"/>
           </a:p>
         </p:txBody>
       </p:sp>
@@ -2989,7 +2917,7 @@
               <a:rPr lang="bg-BG" smtClean="0"/>
               <a:t>14.5.2025 г.</a:t>
             </a:fld>
-            <a:endParaRPr lang="bg-BG"/>
+            <a:endParaRPr lang="bg-BG" dirty="0"/>
           </a:p>
         </p:txBody>
       </p:sp>
@@ -3008,7 +2936,7 @@
           <a:bodyPr/>
           <a:lstStyle/>
           <a:p>
-            <a:endParaRPr lang="bg-BG"/>
+            <a:endParaRPr lang="bg-BG" dirty="0"/>
           </a:p>
         </p:txBody>
       </p:sp>
@@ -3118,7 +3046,7 @@
               <a:rPr lang="bg-BG" smtClean="0"/>
               <a:t>‹#›</a:t>
             </a:fld>
-            <a:endParaRPr lang="bg-BG"/>
+            <a:endParaRPr lang="bg-BG" dirty="0"/>
           </a:p>
         </p:txBody>
       </p:sp>
@@ -3309,7 +3237,7 @@
               <a:rPr lang="bg-BG" smtClean="0"/>
               <a:t>14.5.2025 г.</a:t>
             </a:fld>
-            <a:endParaRPr lang="bg-BG"/>
+            <a:endParaRPr lang="bg-BG" dirty="0"/>
           </a:p>
         </p:txBody>
       </p:sp>
@@ -3328,7 +3256,7 @@
           <a:bodyPr/>
           <a:lstStyle/>
           <a:p>
-            <a:endParaRPr lang="bg-BG"/>
+            <a:endParaRPr lang="bg-BG" dirty="0"/>
           </a:p>
         </p:txBody>
       </p:sp>
@@ -3438,7 +3366,7 @@
               <a:rPr lang="bg-BG" smtClean="0"/>
               <a:t>‹#›</a:t>
             </a:fld>
-            <a:endParaRPr lang="bg-BG"/>
+            <a:endParaRPr lang="bg-BG" dirty="0"/>
           </a:p>
         </p:txBody>
       </p:sp>
@@ -3705,7 +3633,7 @@
               <a:rPr lang="bg-BG" smtClean="0"/>
               <a:t>14.5.2025 г.</a:t>
             </a:fld>
-            <a:endParaRPr lang="bg-BG"/>
+            <a:endParaRPr lang="bg-BG" dirty="0"/>
           </a:p>
         </p:txBody>
       </p:sp>
@@ -3724,7 +3652,7 @@
           <a:bodyPr/>
           <a:lstStyle/>
           <a:p>
-            <a:endParaRPr lang="bg-BG"/>
+            <a:endParaRPr lang="bg-BG" dirty="0"/>
           </a:p>
         </p:txBody>
       </p:sp>
@@ -3834,7 +3762,7 @@
               <a:rPr lang="bg-BG" smtClean="0"/>
               <a:t>‹#›</a:t>
             </a:fld>
-            <a:endParaRPr lang="bg-BG"/>
+            <a:endParaRPr lang="bg-BG" dirty="0"/>
           </a:p>
         </p:txBody>
       </p:sp>
@@ -3962,7 +3890,7 @@
               <a:rPr lang="bg-BG" smtClean="0"/>
               <a:t>14.5.2025 г.</a:t>
             </a:fld>
-            <a:endParaRPr lang="bg-BG"/>
+            <a:endParaRPr lang="bg-BG" dirty="0"/>
           </a:p>
         </p:txBody>
       </p:sp>
@@ -3981,7 +3909,7 @@
           <a:bodyPr/>
           <a:lstStyle/>
           <a:p>
-            <a:endParaRPr lang="bg-BG"/>
+            <a:endParaRPr lang="bg-BG" dirty="0"/>
           </a:p>
         </p:txBody>
       </p:sp>
@@ -4086,7 +4014,7 @@
               <a:rPr lang="bg-BG" smtClean="0"/>
               <a:t>‹#›</a:t>
             </a:fld>
-            <a:endParaRPr lang="bg-BG"/>
+            <a:endParaRPr lang="bg-BG" dirty="0"/>
           </a:p>
         </p:txBody>
       </p:sp>
@@ -4224,7 +4152,7 @@
               <a:rPr lang="bg-BG" smtClean="0"/>
               <a:t>14.5.2025 г.</a:t>
             </a:fld>
-            <a:endParaRPr lang="bg-BG"/>
+            <a:endParaRPr lang="bg-BG" dirty="0"/>
           </a:p>
         </p:txBody>
       </p:sp>
@@ -4243,7 +4171,7 @@
           <a:bodyPr/>
           <a:lstStyle/>
           <a:p>
-            <a:endParaRPr lang="bg-BG"/>
+            <a:endParaRPr lang="bg-BG" dirty="0"/>
           </a:p>
         </p:txBody>
       </p:sp>
@@ -4348,7 +4276,7 @@
               <a:rPr lang="bg-BG" smtClean="0"/>
               <a:t>‹#›</a:t>
             </a:fld>
-            <a:endParaRPr lang="bg-BG"/>
+            <a:endParaRPr lang="bg-BG" dirty="0"/>
           </a:p>
         </p:txBody>
       </p:sp>
@@ -4486,7 +4414,7 @@
               <a:rPr lang="bg-BG" smtClean="0"/>
               <a:t>14.5.2025 г.</a:t>
             </a:fld>
-            <a:endParaRPr lang="bg-BG"/>
+            <a:endParaRPr lang="bg-BG" dirty="0"/>
           </a:p>
         </p:txBody>
       </p:sp>
@@ -4505,7 +4433,7 @@
           <a:bodyPr/>
           <a:lstStyle/>
           <a:p>
-            <a:endParaRPr lang="bg-BG"/>
+            <a:endParaRPr lang="bg-BG" dirty="0"/>
           </a:p>
         </p:txBody>
       </p:sp>
@@ -4610,7 +4538,7 @@
               <a:rPr lang="bg-BG" smtClean="0"/>
               <a:t>‹#›</a:t>
             </a:fld>
-            <a:endParaRPr lang="bg-BG"/>
+            <a:endParaRPr lang="bg-BG" dirty="0"/>
           </a:p>
         </p:txBody>
       </p:sp>
@@ -4815,7 +4743,7 @@
               <a:rPr lang="bg-BG" smtClean="0"/>
               <a:t>14.5.2025 г.</a:t>
             </a:fld>
-            <a:endParaRPr lang="bg-BG"/>
+            <a:endParaRPr lang="bg-BG" dirty="0"/>
           </a:p>
         </p:txBody>
       </p:sp>
@@ -4834,7 +4762,7 @@
           <a:bodyPr/>
           <a:lstStyle/>
           <a:p>
-            <a:endParaRPr lang="bg-BG"/>
+            <a:endParaRPr lang="bg-BG" dirty="0"/>
           </a:p>
         </p:txBody>
       </p:sp>
@@ -4944,7 +4872,7 @@
               <a:rPr lang="bg-BG" smtClean="0"/>
               <a:t>‹#›</a:t>
             </a:fld>
-            <a:endParaRPr lang="bg-BG"/>
+            <a:endParaRPr lang="bg-BG" dirty="0"/>
           </a:p>
         </p:txBody>
       </p:sp>
@@ -5138,7 +5066,7 @@
               <a:rPr lang="bg-BG" smtClean="0"/>
               <a:t>14.5.2025 г.</a:t>
             </a:fld>
-            <a:endParaRPr lang="bg-BG"/>
+            <a:endParaRPr lang="bg-BG" dirty="0"/>
           </a:p>
         </p:txBody>
       </p:sp>
@@ -5157,7 +5085,7 @@
           <a:bodyPr/>
           <a:lstStyle/>
           <a:p>
-            <a:endParaRPr lang="bg-BG"/>
+            <a:endParaRPr lang="bg-BG" dirty="0"/>
           </a:p>
         </p:txBody>
       </p:sp>
@@ -5267,7 +5195,7 @@
               <a:rPr lang="bg-BG" smtClean="0"/>
               <a:t>‹#›</a:t>
             </a:fld>
-            <a:endParaRPr lang="bg-BG"/>
+            <a:endParaRPr lang="bg-BG" dirty="0"/>
           </a:p>
         </p:txBody>
       </p:sp>
@@ -5595,7 +5523,7 @@
               <a:rPr lang="bg-BG" smtClean="0"/>
               <a:t>14.5.2025 г.</a:t>
             </a:fld>
-            <a:endParaRPr lang="bg-BG"/>
+            <a:endParaRPr lang="bg-BG" dirty="0"/>
           </a:p>
         </p:txBody>
       </p:sp>
@@ -5614,7 +5542,7 @@
           <a:bodyPr/>
           <a:lstStyle/>
           <a:p>
-            <a:endParaRPr lang="bg-BG"/>
+            <a:endParaRPr lang="bg-BG" dirty="0"/>
           </a:p>
         </p:txBody>
       </p:sp>
@@ -5724,7 +5652,7 @@
               <a:rPr lang="bg-BG" smtClean="0"/>
               <a:t>‹#›</a:t>
             </a:fld>
-            <a:endParaRPr lang="bg-BG"/>
+            <a:endParaRPr lang="bg-BG" dirty="0"/>
           </a:p>
         </p:txBody>
       </p:sp>
@@ -5800,7 +5728,7 @@
               <a:rPr lang="bg-BG" smtClean="0"/>
               <a:t>14.5.2025 г.</a:t>
             </a:fld>
-            <a:endParaRPr lang="bg-BG"/>
+            <a:endParaRPr lang="bg-BG" dirty="0"/>
           </a:p>
         </p:txBody>
       </p:sp>
@@ -5819,7 +5747,7 @@
           <a:bodyPr/>
           <a:lstStyle/>
           <a:p>
-            <a:endParaRPr lang="bg-BG"/>
+            <a:endParaRPr lang="bg-BG" dirty="0"/>
           </a:p>
         </p:txBody>
       </p:sp>
@@ -5924,7 +5852,7 @@
               <a:rPr lang="bg-BG" smtClean="0"/>
               <a:t>‹#›</a:t>
             </a:fld>
-            <a:endParaRPr lang="bg-BG"/>
+            <a:endParaRPr lang="bg-BG" dirty="0"/>
           </a:p>
         </p:txBody>
       </p:sp>
@@ -5977,7 +5905,7 @@
               <a:rPr lang="bg-BG" smtClean="0"/>
               <a:t>14.5.2025 г.</a:t>
             </a:fld>
-            <a:endParaRPr lang="bg-BG"/>
+            <a:endParaRPr lang="bg-BG" dirty="0"/>
           </a:p>
         </p:txBody>
       </p:sp>
@@ -5996,7 +5924,7 @@
           <a:bodyPr/>
           <a:lstStyle/>
           <a:p>
-            <a:endParaRPr lang="bg-BG"/>
+            <a:endParaRPr lang="bg-BG" dirty="0"/>
           </a:p>
         </p:txBody>
       </p:sp>
@@ -6101,7 +6029,7 @@
               <a:rPr lang="bg-BG" smtClean="0"/>
               <a:t>‹#›</a:t>
             </a:fld>
-            <a:endParaRPr lang="bg-BG"/>
+            <a:endParaRPr lang="bg-BG" dirty="0"/>
           </a:p>
         </p:txBody>
       </p:sp>
@@ -6310,7 +6238,7 @@
               <a:rPr lang="bg-BG" smtClean="0"/>
               <a:t>14.5.2025 г.</a:t>
             </a:fld>
-            <a:endParaRPr lang="bg-BG"/>
+            <a:endParaRPr lang="bg-BG" dirty="0"/>
           </a:p>
         </p:txBody>
       </p:sp>
@@ -6329,7 +6257,7 @@
           <a:bodyPr/>
           <a:lstStyle/>
           <a:p>
-            <a:endParaRPr lang="bg-BG"/>
+            <a:endParaRPr lang="bg-BG" dirty="0"/>
           </a:p>
         </p:txBody>
       </p:sp>
@@ -6434,7 +6362,7 @@
               <a:rPr lang="bg-BG" smtClean="0"/>
               <a:t>‹#›</a:t>
             </a:fld>
-            <a:endParaRPr lang="bg-BG"/>
+            <a:endParaRPr lang="bg-BG" dirty="0"/>
           </a:p>
         </p:txBody>
       </p:sp>
@@ -6562,7 +6490,7 @@
           </a:lstStyle>
           <a:p>
             <a:r>
-              <a:rPr lang="en-US" smtClean="0"/>
+              <a:rPr lang="en-US" dirty="0" smtClean="0"/>
               <a:t>Click icon to add picture</a:t>
             </a:r>
             <a:endParaRPr lang="en-US" dirty="0"/>
@@ -6655,7 +6583,7 @@
               <a:rPr lang="bg-BG" smtClean="0"/>
               <a:t>14.5.2025 г.</a:t>
             </a:fld>
-            <a:endParaRPr lang="bg-BG"/>
+            <a:endParaRPr lang="bg-BG" dirty="0"/>
           </a:p>
         </p:txBody>
       </p:sp>
@@ -6674,7 +6602,7 @@
           <a:bodyPr/>
           <a:lstStyle/>
           <a:p>
-            <a:endParaRPr lang="bg-BG"/>
+            <a:endParaRPr lang="bg-BG" dirty="0"/>
           </a:p>
         </p:txBody>
       </p:sp>
@@ -6784,7 +6712,7 @@
               <a:rPr lang="bg-BG" smtClean="0"/>
               <a:t>‹#›</a:t>
             </a:fld>
-            <a:endParaRPr lang="bg-BG"/>
+            <a:endParaRPr lang="bg-BG" dirty="0"/>
           </a:p>
         </p:txBody>
       </p:sp>
@@ -8772,7 +8700,7 @@
               <a:rPr lang="bg-BG" smtClean="0"/>
               <a:t>14.5.2025 г.</a:t>
             </a:fld>
-            <a:endParaRPr lang="bg-BG"/>
+            <a:endParaRPr lang="bg-BG" dirty="0"/>
           </a:p>
         </p:txBody>
       </p:sp>
@@ -8809,7 +8737,7 @@
             </a:lvl1pPr>
           </a:lstStyle>
           <a:p>
-            <a:endParaRPr lang="bg-BG"/>
+            <a:endParaRPr lang="bg-BG" dirty="0"/>
           </a:p>
         </p:txBody>
       </p:sp>
@@ -8848,7 +8776,7 @@
               <a:rPr lang="bg-BG" smtClean="0"/>
               <a:t>‹#›</a:t>
             </a:fld>
-            <a:endParaRPr lang="bg-BG"/>
+            <a:endParaRPr lang="bg-BG" dirty="0"/>
           </a:p>
         </p:txBody>
       </p:sp>
@@ -9419,7 +9347,7 @@
           </a:bodyPr>
           <a:lstStyle/>
           <a:p>
-            <a:endParaRPr lang="bg-BG"/>
+            <a:endParaRPr lang="bg-BG" dirty="0"/>
           </a:p>
         </p:txBody>
       </p:sp>

--- a/dr/presentation.pptx
+++ b/dr/presentation.pptx
@@ -217,7 +217,7 @@
           <a:p>
             <a:fld id="{F7879DFA-FB11-43B6-A5F8-9C7F9897F1FD}" type="datetimeFigureOut">
               <a:rPr lang="bg-BG" smtClean="0"/>
-              <a:t>14.5.2025 г.</a:t>
+              <a:t>20.5.2025 г.</a:t>
             </a:fld>
             <a:endParaRPr lang="bg-BG" dirty="0"/>
           </a:p>
@@ -575,31 +575,7 @@
                 <a:ea typeface="+mn-ea"/>
                 <a:cs typeface="+mn-cs"/>
               </a:rPr>
-              <a:t>Уважаема г-жо Директор,  Уважаема комисия,  уважаеми гости </a:t>
-            </a:r>
-            <a:r>
-              <a:rPr lang="bg-BG" sz="1200" b="1" kern="1200" dirty="0" smtClean="0">
-                <a:solidFill>
-                  <a:schemeClr val="tx1"/>
-                </a:solidFill>
-                <a:effectLst/>
-                <a:latin typeface="+mn-lt"/>
-                <a:ea typeface="+mn-ea"/>
-                <a:cs typeface="+mn-cs"/>
-              </a:rPr>
-              <a:t>(ако </a:t>
-            </a:r>
-            <a:r>
-              <a:rPr lang="bg-BG" sz="1200" b="1" kern="1200" dirty="0" smtClean="0">
-                <a:solidFill>
-                  <a:schemeClr val="tx1"/>
-                </a:solidFill>
-                <a:effectLst/>
-                <a:latin typeface="+mn-lt"/>
-                <a:ea typeface="+mn-ea"/>
-                <a:cs typeface="+mn-cs"/>
-              </a:rPr>
-              <a:t>има такива)</a:t>
+              <a:t>Уважаема г-жо Директор,  Уважаема комисия,  уважаеми гости (ако има такива)</a:t>
             </a:r>
           </a:p>
           <a:p>
@@ -1840,7 +1816,7 @@
           <a:p>
             <a:fld id="{BBD089EF-8D12-4327-B289-A2BF93D47A59}" type="datetimeFigureOut">
               <a:rPr lang="bg-BG" smtClean="0"/>
-              <a:t>14.5.2025 г.</a:t>
+              <a:t>20.5.2025 г.</a:t>
             </a:fld>
             <a:endParaRPr lang="bg-BG" dirty="0"/>
           </a:p>
@@ -2178,7 +2154,7 @@
           <a:p>
             <a:fld id="{BBD089EF-8D12-4327-B289-A2BF93D47A59}" type="datetimeFigureOut">
               <a:rPr lang="bg-BG" smtClean="0"/>
-              <a:t>14.5.2025 г.</a:t>
+              <a:t>20.5.2025 г.</a:t>
             </a:fld>
             <a:endParaRPr lang="bg-BG" dirty="0"/>
           </a:p>
@@ -2579,7 +2555,7 @@
           <a:p>
             <a:fld id="{BBD089EF-8D12-4327-B289-A2BF93D47A59}" type="datetimeFigureOut">
               <a:rPr lang="bg-BG" smtClean="0"/>
-              <a:t>14.5.2025 г.</a:t>
+              <a:t>20.5.2025 г.</a:t>
             </a:fld>
             <a:endParaRPr lang="bg-BG" dirty="0"/>
           </a:p>
@@ -2915,7 +2891,7 @@
           <a:p>
             <a:fld id="{BBD089EF-8D12-4327-B289-A2BF93D47A59}" type="datetimeFigureOut">
               <a:rPr lang="bg-BG" smtClean="0"/>
-              <a:t>14.5.2025 г.</a:t>
+              <a:t>20.5.2025 г.</a:t>
             </a:fld>
             <a:endParaRPr lang="bg-BG" dirty="0"/>
           </a:p>
@@ -3235,7 +3211,7 @@
           <a:p>
             <a:fld id="{BBD089EF-8D12-4327-B289-A2BF93D47A59}" type="datetimeFigureOut">
               <a:rPr lang="bg-BG" smtClean="0"/>
-              <a:t>14.5.2025 г.</a:t>
+              <a:t>20.5.2025 г.</a:t>
             </a:fld>
             <a:endParaRPr lang="bg-BG" dirty="0"/>
           </a:p>
@@ -3631,7 +3607,7 @@
           <a:p>
             <a:fld id="{BBD089EF-8D12-4327-B289-A2BF93D47A59}" type="datetimeFigureOut">
               <a:rPr lang="bg-BG" smtClean="0"/>
-              <a:t>14.5.2025 г.</a:t>
+              <a:t>20.5.2025 г.</a:t>
             </a:fld>
             <a:endParaRPr lang="bg-BG" dirty="0"/>
           </a:p>
@@ -3888,7 +3864,7 @@
           <a:p>
             <a:fld id="{BBD089EF-8D12-4327-B289-A2BF93D47A59}" type="datetimeFigureOut">
               <a:rPr lang="bg-BG" smtClean="0"/>
-              <a:t>14.5.2025 г.</a:t>
+              <a:t>20.5.2025 г.</a:t>
             </a:fld>
             <a:endParaRPr lang="bg-BG" dirty="0"/>
           </a:p>
@@ -4150,7 +4126,7 @@
           <a:p>
             <a:fld id="{BBD089EF-8D12-4327-B289-A2BF93D47A59}" type="datetimeFigureOut">
               <a:rPr lang="bg-BG" smtClean="0"/>
-              <a:t>14.5.2025 г.</a:t>
+              <a:t>20.5.2025 г.</a:t>
             </a:fld>
             <a:endParaRPr lang="bg-BG" dirty="0"/>
           </a:p>
@@ -4412,7 +4388,7 @@
           <a:p>
             <a:fld id="{BBD089EF-8D12-4327-B289-A2BF93D47A59}" type="datetimeFigureOut">
               <a:rPr lang="bg-BG" smtClean="0"/>
-              <a:t>14.5.2025 г.</a:t>
+              <a:t>20.5.2025 г.</a:t>
             </a:fld>
             <a:endParaRPr lang="bg-BG" dirty="0"/>
           </a:p>
@@ -4741,7 +4717,7 @@
           <a:p>
             <a:fld id="{BBD089EF-8D12-4327-B289-A2BF93D47A59}" type="datetimeFigureOut">
               <a:rPr lang="bg-BG" smtClean="0"/>
-              <a:t>14.5.2025 г.</a:t>
+              <a:t>20.5.2025 г.</a:t>
             </a:fld>
             <a:endParaRPr lang="bg-BG" dirty="0"/>
           </a:p>
@@ -5064,7 +5040,7 @@
           <a:p>
             <a:fld id="{BBD089EF-8D12-4327-B289-A2BF93D47A59}" type="datetimeFigureOut">
               <a:rPr lang="bg-BG" smtClean="0"/>
-              <a:t>14.5.2025 г.</a:t>
+              <a:t>20.5.2025 г.</a:t>
             </a:fld>
             <a:endParaRPr lang="bg-BG" dirty="0"/>
           </a:p>
@@ -5521,7 +5497,7 @@
           <a:p>
             <a:fld id="{BBD089EF-8D12-4327-B289-A2BF93D47A59}" type="datetimeFigureOut">
               <a:rPr lang="bg-BG" smtClean="0"/>
-              <a:t>14.5.2025 г.</a:t>
+              <a:t>20.5.2025 г.</a:t>
             </a:fld>
             <a:endParaRPr lang="bg-BG" dirty="0"/>
           </a:p>
@@ -5726,7 +5702,7 @@
           <a:p>
             <a:fld id="{BBD089EF-8D12-4327-B289-A2BF93D47A59}" type="datetimeFigureOut">
               <a:rPr lang="bg-BG" smtClean="0"/>
-              <a:t>14.5.2025 г.</a:t>
+              <a:t>20.5.2025 г.</a:t>
             </a:fld>
             <a:endParaRPr lang="bg-BG" dirty="0"/>
           </a:p>
@@ -5903,7 +5879,7 @@
           <a:p>
             <a:fld id="{BBD089EF-8D12-4327-B289-A2BF93D47A59}" type="datetimeFigureOut">
               <a:rPr lang="bg-BG" smtClean="0"/>
-              <a:t>14.5.2025 г.</a:t>
+              <a:t>20.5.2025 г.</a:t>
             </a:fld>
             <a:endParaRPr lang="bg-BG" dirty="0"/>
           </a:p>
@@ -6236,7 +6212,7 @@
           <a:p>
             <a:fld id="{BBD089EF-8D12-4327-B289-A2BF93D47A59}" type="datetimeFigureOut">
               <a:rPr lang="bg-BG" smtClean="0"/>
-              <a:t>14.5.2025 г.</a:t>
+              <a:t>20.5.2025 г.</a:t>
             </a:fld>
             <a:endParaRPr lang="bg-BG" dirty="0"/>
           </a:p>
@@ -6581,7 +6557,7 @@
           <a:p>
             <a:fld id="{BBD089EF-8D12-4327-B289-A2BF93D47A59}" type="datetimeFigureOut">
               <a:rPr lang="bg-BG" smtClean="0"/>
-              <a:t>14.5.2025 г.</a:t>
+              <a:t>20.5.2025 г.</a:t>
             </a:fld>
             <a:endParaRPr lang="bg-BG" dirty="0"/>
           </a:p>
@@ -8698,7 +8674,7 @@
           <a:p>
             <a:fld id="{BBD089EF-8D12-4327-B289-A2BF93D47A59}" type="datetimeFigureOut">
               <a:rPr lang="bg-BG" smtClean="0"/>
-              <a:t>14.5.2025 г.</a:t>
+              <a:t>20.5.2025 г.</a:t>
             </a:fld>
             <a:endParaRPr lang="bg-BG" dirty="0"/>
           </a:p>
@@ -9382,12 +9358,14 @@
           </a:prstGeom>
           <a:noFill/>
           <a:effectLst>
-            <a:outerShdw blurRad="139700" dist="76200" dir="7800000" sx="8000" sy="8000" algn="ctr" rotWithShape="0">
-              <a:srgbClr val="000000">
-                <a:alpha val="43137"/>
-              </a:srgbClr>
+            <a:outerShdw blurRad="190500" dist="76200" dir="7800000" sx="8000" sy="8000" algn="ctr" rotWithShape="0">
+              <a:schemeClr val="tx1">
+                <a:lumMod val="75000"/>
+                <a:lumOff val="25000"/>
+                <a:alpha val="43000"/>
+              </a:schemeClr>
             </a:outerShdw>
-            <a:reflection stA="45000" endPos="4000" dist="50800" dir="5400000" sy="-100000" algn="bl" rotWithShape="0"/>
+            <a:reflection stA="45000" endPos="5000" dist="50800" dir="5400000" sy="-100000" algn="bl" rotWithShape="0"/>
           </a:effectLst>
           <a:extLst>
             <a:ext uri="{909E8E84-426E-40DD-AFC4-6F175D3DCCD1}">
@@ -9561,18 +9539,32 @@
               <a:tabLst/>
             </a:pPr>
             <a:r>
-              <a:rPr lang="bg-BG" altLang="bg-BG" sz="1400" dirty="0">
+              <a:rPr lang="bg-BG" altLang="bg-BG" sz="1400">
                 <a:latin typeface="Arial" panose="020B0604020202020204" pitchFamily="34" charset="0"/>
                 <a:ea typeface="Times New Roman" panose="02020603050405020304" pitchFamily="18" charset="0"/>
               </a:rPr>
               <a:t>п</a:t>
             </a:r>
             <a:r>
+              <a:rPr lang="bg-BG" altLang="bg-BG" sz="1400" smtClean="0">
+                <a:latin typeface="Arial" panose="020B0604020202020204" pitchFamily="34" charset="0"/>
+                <a:ea typeface="Times New Roman" panose="02020603050405020304" pitchFamily="18" charset="0"/>
+              </a:rPr>
+              <a:t>о </a:t>
+            </a:r>
+            <a:r>
+              <a:rPr lang="bg-BG" altLang="bg-BG" sz="1400" smtClean="0">
+                <a:latin typeface="Arial" panose="020B0604020202020204" pitchFamily="34" charset="0"/>
+                <a:ea typeface="Times New Roman" panose="02020603050405020304" pitchFamily="18" charset="0"/>
+              </a:rPr>
+              <a:t>професия </a:t>
+            </a:r>
+            <a:r>
               <a:rPr lang="bg-BG" altLang="bg-BG" sz="1400" dirty="0" smtClean="0">
                 <a:latin typeface="Arial" panose="020B0604020202020204" pitchFamily="34" charset="0"/>
                 <a:ea typeface="Times New Roman" panose="02020603050405020304" pitchFamily="18" charset="0"/>
               </a:rPr>
-              <a:t>о професияв код 481030 „Приложен програмист“</a:t>
+              <a:t>код 481030 „Приложен програмист“</a:t>
             </a:r>
           </a:p>
           <a:p>

--- a/dr/presentation.pptx
+++ b/dr/presentation.pptx
@@ -217,7 +217,7 @@
           <a:p>
             <a:fld id="{F7879DFA-FB11-43B6-A5F8-9C7F9897F1FD}" type="datetimeFigureOut">
               <a:rPr lang="bg-BG" smtClean="0"/>
-              <a:t>14.5.2025 г.</a:t>
+              <a:t>21.5.2025 г.</a:t>
             </a:fld>
             <a:endParaRPr lang="bg-BG" dirty="0"/>
           </a:p>
@@ -575,31 +575,7 @@
                 <a:ea typeface="+mn-ea"/>
                 <a:cs typeface="+mn-cs"/>
               </a:rPr>
-              <a:t>Уважаема г-жо Директор,  Уважаема комисия,  уважаеми гости </a:t>
-            </a:r>
-            <a:r>
-              <a:rPr lang="bg-BG" sz="1200" b="1" kern="1200" dirty="0" smtClean="0">
-                <a:solidFill>
-                  <a:schemeClr val="tx1"/>
-                </a:solidFill>
-                <a:effectLst/>
-                <a:latin typeface="+mn-lt"/>
-                <a:ea typeface="+mn-ea"/>
-                <a:cs typeface="+mn-cs"/>
-              </a:rPr>
-              <a:t>(ако </a:t>
-            </a:r>
-            <a:r>
-              <a:rPr lang="bg-BG" sz="1200" b="1" kern="1200" dirty="0" smtClean="0">
-                <a:solidFill>
-                  <a:schemeClr val="tx1"/>
-                </a:solidFill>
-                <a:effectLst/>
-                <a:latin typeface="+mn-lt"/>
-                <a:ea typeface="+mn-ea"/>
-                <a:cs typeface="+mn-cs"/>
-              </a:rPr>
-              <a:t>има такива)</a:t>
+              <a:t>Уважаема г-жо Директор,  Уважаема комисия,  уважаеми гости (ако има такива)</a:t>
             </a:r>
           </a:p>
           <a:p>
@@ -1840,7 +1816,7 @@
           <a:p>
             <a:fld id="{BBD089EF-8D12-4327-B289-A2BF93D47A59}" type="datetimeFigureOut">
               <a:rPr lang="bg-BG" smtClean="0"/>
-              <a:t>14.5.2025 г.</a:t>
+              <a:t>21.5.2025 г.</a:t>
             </a:fld>
             <a:endParaRPr lang="bg-BG" dirty="0"/>
           </a:p>
@@ -2178,7 +2154,7 @@
           <a:p>
             <a:fld id="{BBD089EF-8D12-4327-B289-A2BF93D47A59}" type="datetimeFigureOut">
               <a:rPr lang="bg-BG" smtClean="0"/>
-              <a:t>14.5.2025 г.</a:t>
+              <a:t>21.5.2025 г.</a:t>
             </a:fld>
             <a:endParaRPr lang="bg-BG" dirty="0"/>
           </a:p>
@@ -2579,7 +2555,7 @@
           <a:p>
             <a:fld id="{BBD089EF-8D12-4327-B289-A2BF93D47A59}" type="datetimeFigureOut">
               <a:rPr lang="bg-BG" smtClean="0"/>
-              <a:t>14.5.2025 г.</a:t>
+              <a:t>21.5.2025 г.</a:t>
             </a:fld>
             <a:endParaRPr lang="bg-BG" dirty="0"/>
           </a:p>
@@ -2915,7 +2891,7 @@
           <a:p>
             <a:fld id="{BBD089EF-8D12-4327-B289-A2BF93D47A59}" type="datetimeFigureOut">
               <a:rPr lang="bg-BG" smtClean="0"/>
-              <a:t>14.5.2025 г.</a:t>
+              <a:t>21.5.2025 г.</a:t>
             </a:fld>
             <a:endParaRPr lang="bg-BG" dirty="0"/>
           </a:p>
@@ -3235,7 +3211,7 @@
           <a:p>
             <a:fld id="{BBD089EF-8D12-4327-B289-A2BF93D47A59}" type="datetimeFigureOut">
               <a:rPr lang="bg-BG" smtClean="0"/>
-              <a:t>14.5.2025 г.</a:t>
+              <a:t>21.5.2025 г.</a:t>
             </a:fld>
             <a:endParaRPr lang="bg-BG" dirty="0"/>
           </a:p>
@@ -3631,7 +3607,7 @@
           <a:p>
             <a:fld id="{BBD089EF-8D12-4327-B289-A2BF93D47A59}" type="datetimeFigureOut">
               <a:rPr lang="bg-BG" smtClean="0"/>
-              <a:t>14.5.2025 г.</a:t>
+              <a:t>21.5.2025 г.</a:t>
             </a:fld>
             <a:endParaRPr lang="bg-BG" dirty="0"/>
           </a:p>
@@ -3888,7 +3864,7 @@
           <a:p>
             <a:fld id="{BBD089EF-8D12-4327-B289-A2BF93D47A59}" type="datetimeFigureOut">
               <a:rPr lang="bg-BG" smtClean="0"/>
-              <a:t>14.5.2025 г.</a:t>
+              <a:t>21.5.2025 г.</a:t>
             </a:fld>
             <a:endParaRPr lang="bg-BG" dirty="0"/>
           </a:p>
@@ -4150,7 +4126,7 @@
           <a:p>
             <a:fld id="{BBD089EF-8D12-4327-B289-A2BF93D47A59}" type="datetimeFigureOut">
               <a:rPr lang="bg-BG" smtClean="0"/>
-              <a:t>14.5.2025 г.</a:t>
+              <a:t>21.5.2025 г.</a:t>
             </a:fld>
             <a:endParaRPr lang="bg-BG" dirty="0"/>
           </a:p>
@@ -4412,7 +4388,7 @@
           <a:p>
             <a:fld id="{BBD089EF-8D12-4327-B289-A2BF93D47A59}" type="datetimeFigureOut">
               <a:rPr lang="bg-BG" smtClean="0"/>
-              <a:t>14.5.2025 г.</a:t>
+              <a:t>21.5.2025 г.</a:t>
             </a:fld>
             <a:endParaRPr lang="bg-BG" dirty="0"/>
           </a:p>
@@ -4741,7 +4717,7 @@
           <a:p>
             <a:fld id="{BBD089EF-8D12-4327-B289-A2BF93D47A59}" type="datetimeFigureOut">
               <a:rPr lang="bg-BG" smtClean="0"/>
-              <a:t>14.5.2025 г.</a:t>
+              <a:t>21.5.2025 г.</a:t>
             </a:fld>
             <a:endParaRPr lang="bg-BG" dirty="0"/>
           </a:p>
@@ -5064,7 +5040,7 @@
           <a:p>
             <a:fld id="{BBD089EF-8D12-4327-B289-A2BF93D47A59}" type="datetimeFigureOut">
               <a:rPr lang="bg-BG" smtClean="0"/>
-              <a:t>14.5.2025 г.</a:t>
+              <a:t>21.5.2025 г.</a:t>
             </a:fld>
             <a:endParaRPr lang="bg-BG" dirty="0"/>
           </a:p>
@@ -5521,7 +5497,7 @@
           <a:p>
             <a:fld id="{BBD089EF-8D12-4327-B289-A2BF93D47A59}" type="datetimeFigureOut">
               <a:rPr lang="bg-BG" smtClean="0"/>
-              <a:t>14.5.2025 г.</a:t>
+              <a:t>21.5.2025 г.</a:t>
             </a:fld>
             <a:endParaRPr lang="bg-BG" dirty="0"/>
           </a:p>
@@ -5726,7 +5702,7 @@
           <a:p>
             <a:fld id="{BBD089EF-8D12-4327-B289-A2BF93D47A59}" type="datetimeFigureOut">
               <a:rPr lang="bg-BG" smtClean="0"/>
-              <a:t>14.5.2025 г.</a:t>
+              <a:t>21.5.2025 г.</a:t>
             </a:fld>
             <a:endParaRPr lang="bg-BG" dirty="0"/>
           </a:p>
@@ -5903,7 +5879,7 @@
           <a:p>
             <a:fld id="{BBD089EF-8D12-4327-B289-A2BF93D47A59}" type="datetimeFigureOut">
               <a:rPr lang="bg-BG" smtClean="0"/>
-              <a:t>14.5.2025 г.</a:t>
+              <a:t>21.5.2025 г.</a:t>
             </a:fld>
             <a:endParaRPr lang="bg-BG" dirty="0"/>
           </a:p>
@@ -6236,7 +6212,7 @@
           <a:p>
             <a:fld id="{BBD089EF-8D12-4327-B289-A2BF93D47A59}" type="datetimeFigureOut">
               <a:rPr lang="bg-BG" smtClean="0"/>
-              <a:t>14.5.2025 г.</a:t>
+              <a:t>21.5.2025 г.</a:t>
             </a:fld>
             <a:endParaRPr lang="bg-BG" dirty="0"/>
           </a:p>
@@ -6581,7 +6557,7 @@
           <a:p>
             <a:fld id="{BBD089EF-8D12-4327-B289-A2BF93D47A59}" type="datetimeFigureOut">
               <a:rPr lang="bg-BG" smtClean="0"/>
-              <a:t>14.5.2025 г.</a:t>
+              <a:t>21.5.2025 г.</a:t>
             </a:fld>
             <a:endParaRPr lang="bg-BG" dirty="0"/>
           </a:p>
@@ -8698,7 +8674,7 @@
           <a:p>
             <a:fld id="{BBD089EF-8D12-4327-B289-A2BF93D47A59}" type="datetimeFigureOut">
               <a:rPr lang="bg-BG" smtClean="0"/>
-              <a:t>14.5.2025 г.</a:t>
+              <a:t>21.5.2025 г.</a:t>
             </a:fld>
             <a:endParaRPr lang="bg-BG" dirty="0"/>
           </a:p>
@@ -9226,7 +9202,15 @@
             <p:ph type="ctrTitle"/>
           </p:nvPr>
         </p:nvSpPr>
-        <p:spPr/>
+        <p:spPr>
+          <a:effectLst>
+            <a:outerShdw blurRad="50800" dist="38100" dir="2700000" algn="tl" rotWithShape="0">
+              <a:prstClr val="black">
+                <a:alpha val="40000"/>
+              </a:prstClr>
+            </a:outerShdw>
+          </a:effectLst>
+        </p:spPr>
         <p:txBody>
           <a:bodyPr/>
           <a:lstStyle/>
@@ -9678,6 +9662,13 @@
             <a:off x="1957657" y="556733"/>
             <a:ext cx="8911687" cy="1280890"/>
           </a:xfrm>
+          <a:effectLst>
+            <a:outerShdw blurRad="50800" dist="38100" dir="2700000" algn="tl" rotWithShape="0">
+              <a:prstClr val="black">
+                <a:alpha val="40000"/>
+              </a:prstClr>
+            </a:outerShdw>
+          </a:effectLst>
         </p:spPr>
         <p:txBody>
           <a:bodyPr/>
@@ -9771,6 +9762,13 @@
             <a:off x="1784403" y="652985"/>
             <a:ext cx="8911687" cy="1280890"/>
           </a:xfrm>
+          <a:effectLst>
+            <a:outerShdw blurRad="50800" dist="38100" dir="2700000" algn="tl" rotWithShape="0">
+              <a:prstClr val="black">
+                <a:alpha val="40000"/>
+              </a:prstClr>
+            </a:outerShdw>
+          </a:effectLst>
         </p:spPr>
         <p:txBody>
           <a:bodyPr/>
@@ -9860,7 +9858,19 @@
             <p:ph type="title"/>
           </p:nvPr>
         </p:nvSpPr>
-        <p:spPr/>
+        <p:spPr>
+          <a:xfrm>
+            <a:off x="2241753" y="646970"/>
+            <a:ext cx="8911687" cy="1280890"/>
+          </a:xfrm>
+          <a:effectLst>
+            <a:outerShdw blurRad="50800" dist="38100" dir="2700000" algn="tl" rotWithShape="0">
+              <a:prstClr val="black">
+                <a:alpha val="40000"/>
+              </a:prstClr>
+            </a:outerShdw>
+          </a:effectLst>
+        </p:spPr>
         <p:txBody>
           <a:bodyPr/>
           <a:lstStyle/>
@@ -9946,7 +9956,15 @@
             <p:ph type="title"/>
           </p:nvPr>
         </p:nvSpPr>
-        <p:spPr/>
+        <p:spPr>
+          <a:effectLst>
+            <a:outerShdw blurRad="50800" dist="38100" dir="2700000" algn="tl" rotWithShape="0">
+              <a:prstClr val="black">
+                <a:alpha val="40000"/>
+              </a:prstClr>
+            </a:outerShdw>
+          </a:effectLst>
+        </p:spPr>
         <p:txBody>
           <a:bodyPr>
             <a:normAutofit fontScale="90000"/>
@@ -10048,37 +10066,45 @@
             <p:ph type="title"/>
           </p:nvPr>
         </p:nvSpPr>
-        <p:spPr/>
+        <p:spPr>
+          <a:xfrm>
+            <a:off x="1737360" y="624110"/>
+            <a:ext cx="10115549" cy="1280890"/>
+          </a:xfrm>
+          <a:effectLst>
+            <a:outerShdw blurRad="50800" dist="38100" dir="2700000" algn="tl" rotWithShape="0">
+              <a:prstClr val="black">
+                <a:alpha val="40000"/>
+              </a:prstClr>
+            </a:outerShdw>
+          </a:effectLst>
+        </p:spPr>
         <p:txBody>
           <a:bodyPr>
-            <a:normAutofit fontScale="90000"/>
+            <a:noAutofit/>
           </a:bodyPr>
           <a:lstStyle/>
           <a:p>
             <a:r>
-              <a:rPr lang="bg-BG" b="1" cap="small" dirty="0"/>
+              <a:rPr lang="bg-BG" sz="2800" b="1" cap="small" dirty="0"/>
               <a:t> Реализация на обектно-релационни модели в</a:t>
             </a:r>
             <a:r>
-              <a:rPr lang="en-GB" b="1" cap="small" dirty="0"/>
+              <a:rPr lang="en-GB" sz="2800" b="1" cap="small" dirty="0"/>
               <a:t> </a:t>
             </a:r>
             <a:r>
-              <a:rPr lang="bg-BG" b="1" cap="small" dirty="0" smtClean="0"/>
-              <a:t>            </a:t>
-            </a:r>
-            <a:r>
-              <a:rPr lang="en-GB" b="1" cap="small" dirty="0" smtClean="0"/>
+              <a:rPr lang="en-GB" sz="2800" b="1" cap="small" dirty="0" smtClean="0"/>
               <a:t>Django</a:t>
             </a:r>
             <a:r>
-              <a:rPr lang="bg-BG" b="1" cap="small" dirty="0"/>
+              <a:rPr lang="bg-BG" sz="2800" b="1" cap="small" dirty="0"/>
               <a:t/>
             </a:r>
             <a:br>
-              <a:rPr lang="bg-BG" b="1" cap="small" dirty="0"/>
+              <a:rPr lang="bg-BG" sz="2800" b="1" cap="small" dirty="0"/>
             </a:br>
-            <a:endParaRPr lang="bg-BG" dirty="0"/>
+            <a:endParaRPr lang="bg-BG" sz="2800" dirty="0"/>
           </a:p>
         </p:txBody>
       </p:sp>
@@ -10160,9 +10186,16 @@
         </p:nvSpPr>
         <p:spPr>
           <a:xfrm>
-            <a:off x="1640156" y="675869"/>
+            <a:off x="1731596" y="630149"/>
             <a:ext cx="8911687" cy="1280890"/>
           </a:xfrm>
+          <a:effectLst>
+            <a:outerShdw blurRad="50800" dist="38100" dir="2700000" algn="tl" rotWithShape="0">
+              <a:prstClr val="black">
+                <a:alpha val="40000"/>
+              </a:prstClr>
+            </a:outerShdw>
+          </a:effectLst>
         </p:spPr>
         <p:txBody>
           <a:bodyPr/>
@@ -10342,7 +10375,19 @@
             <p:ph type="title"/>
           </p:nvPr>
         </p:nvSpPr>
-        <p:spPr/>
+        <p:spPr>
+          <a:xfrm>
+            <a:off x="1934948" y="201200"/>
+            <a:ext cx="8911687" cy="1280890"/>
+          </a:xfrm>
+          <a:effectLst>
+            <a:outerShdw blurRad="50800" dist="38100" dir="2700000" algn="tl" rotWithShape="0">
+              <a:prstClr val="black">
+                <a:alpha val="40000"/>
+              </a:prstClr>
+            </a:outerShdw>
+          </a:effectLst>
+        </p:spPr>
         <p:txBody>
           <a:bodyPr>
             <a:normAutofit fontScale="90000"/>
@@ -10448,7 +10493,15 @@
             <p:ph type="title"/>
           </p:nvPr>
         </p:nvSpPr>
-        <p:spPr/>
+        <p:spPr>
+          <a:effectLst>
+            <a:outerShdw blurRad="50800" dist="38100" dir="2700000" algn="tl" rotWithShape="0">
+              <a:prstClr val="black">
+                <a:alpha val="40000"/>
+              </a:prstClr>
+            </a:outerShdw>
+          </a:effectLst>
+        </p:spPr>
         <p:txBody>
           <a:bodyPr>
             <a:normAutofit/>
